--- a/实习总结.pptx
+++ b/实习总结.pptx
@@ -221,7 +221,7 @@
           <a:p>
             <a:fld id="{42D3FAE5-8201-42CC-B9E6-9A2C22ABEFBA}" type="datetimeFigureOut">
               <a:rPr lang="zh-CN" altLang="en-US" smtClean="0"/>
-              <a:t>2021/2/5</a:t>
+              <a:t>2021/2/6</a:t>
             </a:fld>
             <a:endParaRPr lang="zh-CN" altLang="en-US"/>
           </a:p>
@@ -510,7 +510,7 @@
           <p:cNvPr id="9" name="图片 8">
             <a:extLst>
               <a:ext uri="{FF2B5EF4-FFF2-40B4-BE49-F238E27FC236}">
-                <a16:creationId xmlns:a16="http://schemas.microsoft.com/office/drawing/2014/main" id="{62186FC8-896B-47F6-A56D-AD8234517099}"/>
+                <a16:creationId xmlns:a16="http://schemas.microsoft.com/office/drawing/2014/main" xmlns="" id="{62186FC8-896B-47F6-A56D-AD8234517099}"/>
               </a:ext>
             </a:extLst>
           </p:cNvPr>
@@ -662,7 +662,7 @@
           <p:cNvPr id="2" name="日期占位符 1">
             <a:extLst>
               <a:ext uri="{FF2B5EF4-FFF2-40B4-BE49-F238E27FC236}">
-                <a16:creationId xmlns:a16="http://schemas.microsoft.com/office/drawing/2014/main" id="{85A38AF4-EFE0-4C45-A7E6-025A8887A21A}"/>
+                <a16:creationId xmlns:a16="http://schemas.microsoft.com/office/drawing/2014/main" xmlns="" id="{85A38AF4-EFE0-4C45-A7E6-025A8887A21A}"/>
               </a:ext>
             </a:extLst>
           </p:cNvPr>
@@ -688,7 +688,7 @@
           <a:p>
             <a:fld id="{825BAC3E-C3F3-414A-A8F8-0653CEC4CAF6}" type="datetimeFigureOut">
               <a:rPr lang="zh-CN" altLang="en-US" smtClean="0"/>
-              <a:t>2021/2/5</a:t>
+              <a:t>2021/2/6</a:t>
             </a:fld>
             <a:endParaRPr lang="zh-CN" altLang="en-US"/>
           </a:p>
@@ -699,7 +699,7 @@
           <p:cNvPr id="3" name="页脚占位符 2">
             <a:extLst>
               <a:ext uri="{FF2B5EF4-FFF2-40B4-BE49-F238E27FC236}">
-                <a16:creationId xmlns:a16="http://schemas.microsoft.com/office/drawing/2014/main" id="{9217A790-4FE4-4FD0-AAA9-623BCE2A97ED}"/>
+                <a16:creationId xmlns:a16="http://schemas.microsoft.com/office/drawing/2014/main" xmlns="" id="{9217A790-4FE4-4FD0-AAA9-623BCE2A97ED}"/>
               </a:ext>
             </a:extLst>
           </p:cNvPr>
@@ -732,7 +732,7 @@
           <p:cNvPr id="4" name="灯片编号占位符 3">
             <a:extLst>
               <a:ext uri="{FF2B5EF4-FFF2-40B4-BE49-F238E27FC236}">
-                <a16:creationId xmlns:a16="http://schemas.microsoft.com/office/drawing/2014/main" id="{B671F841-B285-4815-9229-3323A3BE50E2}"/>
+                <a16:creationId xmlns:a16="http://schemas.microsoft.com/office/drawing/2014/main" xmlns="" id="{B671F841-B285-4815-9229-3323A3BE50E2}"/>
               </a:ext>
             </a:extLst>
           </p:cNvPr>
@@ -799,7 +799,7 @@
           <p:cNvPr id="2" name="标题 1">
             <a:extLst>
               <a:ext uri="{FF2B5EF4-FFF2-40B4-BE49-F238E27FC236}">
-                <a16:creationId xmlns:a16="http://schemas.microsoft.com/office/drawing/2014/main" id="{CFFC1A69-40D4-4523-AD7E-4A05CE6209AE}"/>
+                <a16:creationId xmlns:a16="http://schemas.microsoft.com/office/drawing/2014/main" xmlns="" id="{CFFC1A69-40D4-4523-AD7E-4A05CE6209AE}"/>
               </a:ext>
             </a:extLst>
           </p:cNvPr>
@@ -839,7 +839,7 @@
           <p:cNvPr id="3" name="内容占位符 2">
             <a:extLst>
               <a:ext uri="{FF2B5EF4-FFF2-40B4-BE49-F238E27FC236}">
-                <a16:creationId xmlns:a16="http://schemas.microsoft.com/office/drawing/2014/main" id="{610CA9CB-A66E-46CA-B036-F454A20D6A27}"/>
+                <a16:creationId xmlns:a16="http://schemas.microsoft.com/office/drawing/2014/main" xmlns="" id="{610CA9CB-A66E-46CA-B036-F454A20D6A27}"/>
               </a:ext>
             </a:extLst>
           </p:cNvPr>
@@ -932,7 +932,7 @@
           <p:cNvPr id="4" name="文本占位符 3">
             <a:extLst>
               <a:ext uri="{FF2B5EF4-FFF2-40B4-BE49-F238E27FC236}">
-                <a16:creationId xmlns:a16="http://schemas.microsoft.com/office/drawing/2014/main" id="{CFFD6374-8FE2-4A53-8ED1-4AFB42672A7B}"/>
+                <a16:creationId xmlns:a16="http://schemas.microsoft.com/office/drawing/2014/main" xmlns="" id="{CFFD6374-8FE2-4A53-8ED1-4AFB42672A7B}"/>
               </a:ext>
             </a:extLst>
           </p:cNvPr>
@@ -1006,7 +1006,7 @@
           <p:cNvPr id="5" name="日期占位符 4">
             <a:extLst>
               <a:ext uri="{FF2B5EF4-FFF2-40B4-BE49-F238E27FC236}">
-                <a16:creationId xmlns:a16="http://schemas.microsoft.com/office/drawing/2014/main" id="{160C0C0C-FE64-40F8-B8E2-DA998F4558FC}"/>
+                <a16:creationId xmlns:a16="http://schemas.microsoft.com/office/drawing/2014/main" xmlns="" id="{160C0C0C-FE64-40F8-B8E2-DA998F4558FC}"/>
               </a:ext>
             </a:extLst>
           </p:cNvPr>
@@ -1032,7 +1032,7 @@
           <a:p>
             <a:fld id="{825BAC3E-C3F3-414A-A8F8-0653CEC4CAF6}" type="datetimeFigureOut">
               <a:rPr lang="zh-CN" altLang="en-US" smtClean="0"/>
-              <a:t>2021/2/5</a:t>
+              <a:t>2021/2/6</a:t>
             </a:fld>
             <a:endParaRPr lang="zh-CN" altLang="en-US"/>
           </a:p>
@@ -1043,7 +1043,7 @@
           <p:cNvPr id="6" name="页脚占位符 5">
             <a:extLst>
               <a:ext uri="{FF2B5EF4-FFF2-40B4-BE49-F238E27FC236}">
-                <a16:creationId xmlns:a16="http://schemas.microsoft.com/office/drawing/2014/main" id="{F5FA7D48-E060-44CF-9055-0662B58936F8}"/>
+                <a16:creationId xmlns:a16="http://schemas.microsoft.com/office/drawing/2014/main" xmlns="" id="{F5FA7D48-E060-44CF-9055-0662B58936F8}"/>
               </a:ext>
             </a:extLst>
           </p:cNvPr>
@@ -1076,7 +1076,7 @@
           <p:cNvPr id="7" name="灯片编号占位符 6">
             <a:extLst>
               <a:ext uri="{FF2B5EF4-FFF2-40B4-BE49-F238E27FC236}">
-                <a16:creationId xmlns:a16="http://schemas.microsoft.com/office/drawing/2014/main" id="{0EF2B59E-2EED-4A84-93A7-84D8C509FF89}"/>
+                <a16:creationId xmlns:a16="http://schemas.microsoft.com/office/drawing/2014/main" xmlns="" id="{0EF2B59E-2EED-4A84-93A7-84D8C509FF89}"/>
               </a:ext>
             </a:extLst>
           </p:cNvPr>
@@ -1143,7 +1143,7 @@
           <p:cNvPr id="2" name="标题 1">
             <a:extLst>
               <a:ext uri="{FF2B5EF4-FFF2-40B4-BE49-F238E27FC236}">
-                <a16:creationId xmlns:a16="http://schemas.microsoft.com/office/drawing/2014/main" id="{15269857-8D85-495B-AE5D-AF6508CDFB93}"/>
+                <a16:creationId xmlns:a16="http://schemas.microsoft.com/office/drawing/2014/main" xmlns="" id="{15269857-8D85-495B-AE5D-AF6508CDFB93}"/>
               </a:ext>
             </a:extLst>
           </p:cNvPr>
@@ -1183,7 +1183,7 @@
           <p:cNvPr id="3" name="图片占位符 2">
             <a:extLst>
               <a:ext uri="{FF2B5EF4-FFF2-40B4-BE49-F238E27FC236}">
-                <a16:creationId xmlns:a16="http://schemas.microsoft.com/office/drawing/2014/main" id="{9DB71F0F-9E41-49CB-AE97-76CD079497B8}"/>
+                <a16:creationId xmlns:a16="http://schemas.microsoft.com/office/drawing/2014/main" xmlns="" id="{9DB71F0F-9E41-49CB-AE97-76CD079497B8}"/>
               </a:ext>
             </a:extLst>
           </p:cNvPr>
@@ -1253,7 +1253,7 @@
           <p:cNvPr id="4" name="文本占位符 3">
             <a:extLst>
               <a:ext uri="{FF2B5EF4-FFF2-40B4-BE49-F238E27FC236}">
-                <a16:creationId xmlns:a16="http://schemas.microsoft.com/office/drawing/2014/main" id="{7C1E7A82-2EA4-4570-95D1-EE23003529B9}"/>
+                <a16:creationId xmlns:a16="http://schemas.microsoft.com/office/drawing/2014/main" xmlns="" id="{7C1E7A82-2EA4-4570-95D1-EE23003529B9}"/>
               </a:ext>
             </a:extLst>
           </p:cNvPr>
@@ -1327,7 +1327,7 @@
           <p:cNvPr id="5" name="日期占位符 4">
             <a:extLst>
               <a:ext uri="{FF2B5EF4-FFF2-40B4-BE49-F238E27FC236}">
-                <a16:creationId xmlns:a16="http://schemas.microsoft.com/office/drawing/2014/main" id="{11A8C22B-2FF3-4B1A-BFD8-3DD1A19A5CE4}"/>
+                <a16:creationId xmlns:a16="http://schemas.microsoft.com/office/drawing/2014/main" xmlns="" id="{11A8C22B-2FF3-4B1A-BFD8-3DD1A19A5CE4}"/>
               </a:ext>
             </a:extLst>
           </p:cNvPr>
@@ -1353,7 +1353,7 @@
           <a:p>
             <a:fld id="{825BAC3E-C3F3-414A-A8F8-0653CEC4CAF6}" type="datetimeFigureOut">
               <a:rPr lang="zh-CN" altLang="en-US" smtClean="0"/>
-              <a:t>2021/2/5</a:t>
+              <a:t>2021/2/6</a:t>
             </a:fld>
             <a:endParaRPr lang="zh-CN" altLang="en-US"/>
           </a:p>
@@ -1364,7 +1364,7 @@
           <p:cNvPr id="6" name="页脚占位符 5">
             <a:extLst>
               <a:ext uri="{FF2B5EF4-FFF2-40B4-BE49-F238E27FC236}">
-                <a16:creationId xmlns:a16="http://schemas.microsoft.com/office/drawing/2014/main" id="{CBD91DC9-2120-4840-9111-C65D4072204A}"/>
+                <a16:creationId xmlns:a16="http://schemas.microsoft.com/office/drawing/2014/main" xmlns="" id="{CBD91DC9-2120-4840-9111-C65D4072204A}"/>
               </a:ext>
             </a:extLst>
           </p:cNvPr>
@@ -1397,7 +1397,7 @@
           <p:cNvPr id="7" name="灯片编号占位符 6">
             <a:extLst>
               <a:ext uri="{FF2B5EF4-FFF2-40B4-BE49-F238E27FC236}">
-                <a16:creationId xmlns:a16="http://schemas.microsoft.com/office/drawing/2014/main" id="{56123ABB-D21F-45F2-821C-F9A25E45401D}"/>
+                <a16:creationId xmlns:a16="http://schemas.microsoft.com/office/drawing/2014/main" xmlns="" id="{56123ABB-D21F-45F2-821C-F9A25E45401D}"/>
               </a:ext>
             </a:extLst>
           </p:cNvPr>
@@ -1464,7 +1464,7 @@
           <p:cNvPr id="2" name="标题 1">
             <a:extLst>
               <a:ext uri="{FF2B5EF4-FFF2-40B4-BE49-F238E27FC236}">
-                <a16:creationId xmlns:a16="http://schemas.microsoft.com/office/drawing/2014/main" id="{652EA94D-C904-4AAC-8FE4-962541AAB5DC}"/>
+                <a16:creationId xmlns:a16="http://schemas.microsoft.com/office/drawing/2014/main" xmlns="" id="{652EA94D-C904-4AAC-8FE4-962541AAB5DC}"/>
               </a:ext>
             </a:extLst>
           </p:cNvPr>
@@ -1500,7 +1500,7 @@
           <p:cNvPr id="3" name="竖排文字占位符 2">
             <a:extLst>
               <a:ext uri="{FF2B5EF4-FFF2-40B4-BE49-F238E27FC236}">
-                <a16:creationId xmlns:a16="http://schemas.microsoft.com/office/drawing/2014/main" id="{737B76E9-596F-4FC7-8605-3E933D0C28DA}"/>
+                <a16:creationId xmlns:a16="http://schemas.microsoft.com/office/drawing/2014/main" xmlns="" id="{737B76E9-596F-4FC7-8605-3E933D0C28DA}"/>
               </a:ext>
             </a:extLst>
           </p:cNvPr>
@@ -1565,7 +1565,7 @@
           <p:cNvPr id="4" name="日期占位符 3">
             <a:extLst>
               <a:ext uri="{FF2B5EF4-FFF2-40B4-BE49-F238E27FC236}">
-                <a16:creationId xmlns:a16="http://schemas.microsoft.com/office/drawing/2014/main" id="{9FB93A4C-901B-41DF-A191-1F93A323736E}"/>
+                <a16:creationId xmlns:a16="http://schemas.microsoft.com/office/drawing/2014/main" xmlns="" id="{9FB93A4C-901B-41DF-A191-1F93A323736E}"/>
               </a:ext>
             </a:extLst>
           </p:cNvPr>
@@ -1591,7 +1591,7 @@
           <a:p>
             <a:fld id="{825BAC3E-C3F3-414A-A8F8-0653CEC4CAF6}" type="datetimeFigureOut">
               <a:rPr lang="zh-CN" altLang="en-US" smtClean="0"/>
-              <a:t>2021/2/5</a:t>
+              <a:t>2021/2/6</a:t>
             </a:fld>
             <a:endParaRPr lang="zh-CN" altLang="en-US"/>
           </a:p>
@@ -1602,7 +1602,7 @@
           <p:cNvPr id="5" name="页脚占位符 4">
             <a:extLst>
               <a:ext uri="{FF2B5EF4-FFF2-40B4-BE49-F238E27FC236}">
-                <a16:creationId xmlns:a16="http://schemas.microsoft.com/office/drawing/2014/main" id="{E11A55B6-04CE-422F-A992-F399E3F63FFF}"/>
+                <a16:creationId xmlns:a16="http://schemas.microsoft.com/office/drawing/2014/main" xmlns="" id="{E11A55B6-04CE-422F-A992-F399E3F63FFF}"/>
               </a:ext>
             </a:extLst>
           </p:cNvPr>
@@ -1635,7 +1635,7 @@
           <p:cNvPr id="6" name="灯片编号占位符 5">
             <a:extLst>
               <a:ext uri="{FF2B5EF4-FFF2-40B4-BE49-F238E27FC236}">
-                <a16:creationId xmlns:a16="http://schemas.microsoft.com/office/drawing/2014/main" id="{A6A8ECF1-2A36-4571-9466-7ECEA4D8F734}"/>
+                <a16:creationId xmlns:a16="http://schemas.microsoft.com/office/drawing/2014/main" xmlns="" id="{A6A8ECF1-2A36-4571-9466-7ECEA4D8F734}"/>
               </a:ext>
             </a:extLst>
           </p:cNvPr>
@@ -1702,7 +1702,7 @@
           <p:cNvPr id="2" name="竖排标题 1">
             <a:extLst>
               <a:ext uri="{FF2B5EF4-FFF2-40B4-BE49-F238E27FC236}">
-                <a16:creationId xmlns:a16="http://schemas.microsoft.com/office/drawing/2014/main" id="{A9D5F5C9-0C57-4AC6-A420-FF15DC41F0CD}"/>
+                <a16:creationId xmlns:a16="http://schemas.microsoft.com/office/drawing/2014/main" xmlns="" id="{A9D5F5C9-0C57-4AC6-A420-FF15DC41F0CD}"/>
               </a:ext>
             </a:extLst>
           </p:cNvPr>
@@ -1738,7 +1738,7 @@
           <p:cNvPr id="3" name="竖排文字占位符 2">
             <a:extLst>
               <a:ext uri="{FF2B5EF4-FFF2-40B4-BE49-F238E27FC236}">
-                <a16:creationId xmlns:a16="http://schemas.microsoft.com/office/drawing/2014/main" id="{D3CED0E7-04B9-4BF4-94F3-A175A41BA3DC}"/>
+                <a16:creationId xmlns:a16="http://schemas.microsoft.com/office/drawing/2014/main" xmlns="" id="{D3CED0E7-04B9-4BF4-94F3-A175A41BA3DC}"/>
               </a:ext>
             </a:extLst>
           </p:cNvPr>
@@ -1803,7 +1803,7 @@
           <p:cNvPr id="4" name="日期占位符 3">
             <a:extLst>
               <a:ext uri="{FF2B5EF4-FFF2-40B4-BE49-F238E27FC236}">
-                <a16:creationId xmlns:a16="http://schemas.microsoft.com/office/drawing/2014/main" id="{993A1D6D-D508-434B-B7FC-45E9F6DA6F47}"/>
+                <a16:creationId xmlns:a16="http://schemas.microsoft.com/office/drawing/2014/main" xmlns="" id="{993A1D6D-D508-434B-B7FC-45E9F6DA6F47}"/>
               </a:ext>
             </a:extLst>
           </p:cNvPr>
@@ -1829,7 +1829,7 @@
           <a:p>
             <a:fld id="{825BAC3E-C3F3-414A-A8F8-0653CEC4CAF6}" type="datetimeFigureOut">
               <a:rPr lang="zh-CN" altLang="en-US" smtClean="0"/>
-              <a:t>2021/2/5</a:t>
+              <a:t>2021/2/6</a:t>
             </a:fld>
             <a:endParaRPr lang="zh-CN" altLang="en-US"/>
           </a:p>
@@ -1840,7 +1840,7 @@
           <p:cNvPr id="5" name="页脚占位符 4">
             <a:extLst>
               <a:ext uri="{FF2B5EF4-FFF2-40B4-BE49-F238E27FC236}">
-                <a16:creationId xmlns:a16="http://schemas.microsoft.com/office/drawing/2014/main" id="{36019E06-6B3E-4BE7-942B-3F306E3A93AD}"/>
+                <a16:creationId xmlns:a16="http://schemas.microsoft.com/office/drawing/2014/main" xmlns="" id="{36019E06-6B3E-4BE7-942B-3F306E3A93AD}"/>
               </a:ext>
             </a:extLst>
           </p:cNvPr>
@@ -1873,7 +1873,7 @@
           <p:cNvPr id="6" name="灯片编号占位符 5">
             <a:extLst>
               <a:ext uri="{FF2B5EF4-FFF2-40B4-BE49-F238E27FC236}">
-                <a16:creationId xmlns:a16="http://schemas.microsoft.com/office/drawing/2014/main" id="{4F4C31D7-6CC8-479D-8F91-C92520F4B430}"/>
+                <a16:creationId xmlns:a16="http://schemas.microsoft.com/office/drawing/2014/main" xmlns="" id="{4F4C31D7-6CC8-479D-8F91-C92520F4B430}"/>
               </a:ext>
             </a:extLst>
           </p:cNvPr>
@@ -1940,7 +1940,7 @@
           <p:cNvPr id="9" name="图片 8">
             <a:extLst>
               <a:ext uri="{FF2B5EF4-FFF2-40B4-BE49-F238E27FC236}">
-                <a16:creationId xmlns:a16="http://schemas.microsoft.com/office/drawing/2014/main" id="{62186FC8-896B-47F6-A56D-AD8234517099}"/>
+                <a16:creationId xmlns:a16="http://schemas.microsoft.com/office/drawing/2014/main" xmlns="" id="{62186FC8-896B-47F6-A56D-AD8234517099}"/>
               </a:ext>
             </a:extLst>
           </p:cNvPr>
@@ -2091,7 +2091,7 @@
           <p:cNvPr id="9" name="图片 8">
             <a:extLst>
               <a:ext uri="{FF2B5EF4-FFF2-40B4-BE49-F238E27FC236}">
-                <a16:creationId xmlns:a16="http://schemas.microsoft.com/office/drawing/2014/main" id="{62186FC8-896B-47F6-A56D-AD8234517099}"/>
+                <a16:creationId xmlns:a16="http://schemas.microsoft.com/office/drawing/2014/main" xmlns="" id="{62186FC8-896B-47F6-A56D-AD8234517099}"/>
               </a:ext>
             </a:extLst>
           </p:cNvPr>
@@ -2242,7 +2242,7 @@
           <p:cNvPr id="9" name="图片 8">
             <a:extLst>
               <a:ext uri="{FF2B5EF4-FFF2-40B4-BE49-F238E27FC236}">
-                <a16:creationId xmlns:a16="http://schemas.microsoft.com/office/drawing/2014/main" id="{62186FC8-896B-47F6-A56D-AD8234517099}"/>
+                <a16:creationId xmlns:a16="http://schemas.microsoft.com/office/drawing/2014/main" xmlns="" id="{62186FC8-896B-47F6-A56D-AD8234517099}"/>
               </a:ext>
             </a:extLst>
           </p:cNvPr>
@@ -2393,7 +2393,7 @@
           <p:cNvPr id="8" name="图片 7">
             <a:extLst>
               <a:ext uri="{FF2B5EF4-FFF2-40B4-BE49-F238E27FC236}">
-                <a16:creationId xmlns:a16="http://schemas.microsoft.com/office/drawing/2014/main" id="{4D0639FC-61E3-4079-B4BA-10E9C1A16845}"/>
+                <a16:creationId xmlns:a16="http://schemas.microsoft.com/office/drawing/2014/main" xmlns="" id="{4D0639FC-61E3-4079-B4BA-10E9C1A16845}"/>
               </a:ext>
             </a:extLst>
           </p:cNvPr>
@@ -2459,7 +2459,7 @@
           <p:cNvPr id="8" name="图片 7">
             <a:extLst>
               <a:ext uri="{FF2B5EF4-FFF2-40B4-BE49-F238E27FC236}">
-                <a16:creationId xmlns:a16="http://schemas.microsoft.com/office/drawing/2014/main" id="{381C6D5A-21ED-4639-9B4B-F0CB4E248AF5}"/>
+                <a16:creationId xmlns:a16="http://schemas.microsoft.com/office/drawing/2014/main" xmlns="" id="{381C6D5A-21ED-4639-9B4B-F0CB4E248AF5}"/>
               </a:ext>
             </a:extLst>
           </p:cNvPr>
@@ -2620,7 +2620,7 @@
           <p:cNvPr id="2" name="标题 1">
             <a:extLst>
               <a:ext uri="{FF2B5EF4-FFF2-40B4-BE49-F238E27FC236}">
-                <a16:creationId xmlns:a16="http://schemas.microsoft.com/office/drawing/2014/main" id="{EEB072DB-3C74-4B6E-9FC9-2ABA3230A670}"/>
+                <a16:creationId xmlns:a16="http://schemas.microsoft.com/office/drawing/2014/main" xmlns="" id="{EEB072DB-3C74-4B6E-9FC9-2ABA3230A670}"/>
               </a:ext>
             </a:extLst>
           </p:cNvPr>
@@ -2656,7 +2656,7 @@
           <p:cNvPr id="3" name="内容占位符 2">
             <a:extLst>
               <a:ext uri="{FF2B5EF4-FFF2-40B4-BE49-F238E27FC236}">
-                <a16:creationId xmlns:a16="http://schemas.microsoft.com/office/drawing/2014/main" id="{CE398D6A-F177-4903-83D3-A4A2C5F43F8F}"/>
+                <a16:creationId xmlns:a16="http://schemas.microsoft.com/office/drawing/2014/main" xmlns="" id="{CE398D6A-F177-4903-83D3-A4A2C5F43F8F}"/>
               </a:ext>
             </a:extLst>
           </p:cNvPr>
@@ -2721,7 +2721,7 @@
           <p:cNvPr id="4" name="内容占位符 3">
             <a:extLst>
               <a:ext uri="{FF2B5EF4-FFF2-40B4-BE49-F238E27FC236}">
-                <a16:creationId xmlns:a16="http://schemas.microsoft.com/office/drawing/2014/main" id="{BB8218A7-4A5B-4A2D-AE9C-587CE6CCB5C1}"/>
+                <a16:creationId xmlns:a16="http://schemas.microsoft.com/office/drawing/2014/main" xmlns="" id="{BB8218A7-4A5B-4A2D-AE9C-587CE6CCB5C1}"/>
               </a:ext>
             </a:extLst>
           </p:cNvPr>
@@ -2786,7 +2786,7 @@
           <p:cNvPr id="5" name="日期占位符 4">
             <a:extLst>
               <a:ext uri="{FF2B5EF4-FFF2-40B4-BE49-F238E27FC236}">
-                <a16:creationId xmlns:a16="http://schemas.microsoft.com/office/drawing/2014/main" id="{FEAAA13A-99CF-444A-AB07-D37B192854F5}"/>
+                <a16:creationId xmlns:a16="http://schemas.microsoft.com/office/drawing/2014/main" xmlns="" id="{FEAAA13A-99CF-444A-AB07-D37B192854F5}"/>
               </a:ext>
             </a:extLst>
           </p:cNvPr>
@@ -2812,7 +2812,7 @@
           <a:p>
             <a:fld id="{825BAC3E-C3F3-414A-A8F8-0653CEC4CAF6}" type="datetimeFigureOut">
               <a:rPr lang="zh-CN" altLang="en-US" smtClean="0"/>
-              <a:t>2021/2/5</a:t>
+              <a:t>2021/2/6</a:t>
             </a:fld>
             <a:endParaRPr lang="zh-CN" altLang="en-US"/>
           </a:p>
@@ -2823,7 +2823,7 @@
           <p:cNvPr id="6" name="页脚占位符 5">
             <a:extLst>
               <a:ext uri="{FF2B5EF4-FFF2-40B4-BE49-F238E27FC236}">
-                <a16:creationId xmlns:a16="http://schemas.microsoft.com/office/drawing/2014/main" id="{90D471E9-A47E-478F-8B5D-112C3B75115C}"/>
+                <a16:creationId xmlns:a16="http://schemas.microsoft.com/office/drawing/2014/main" xmlns="" id="{90D471E9-A47E-478F-8B5D-112C3B75115C}"/>
               </a:ext>
             </a:extLst>
           </p:cNvPr>
@@ -2856,7 +2856,7 @@
           <p:cNvPr id="7" name="灯片编号占位符 6">
             <a:extLst>
               <a:ext uri="{FF2B5EF4-FFF2-40B4-BE49-F238E27FC236}">
-                <a16:creationId xmlns:a16="http://schemas.microsoft.com/office/drawing/2014/main" id="{217F931A-AAEB-4F57-AD9D-87E4EBFCDD96}"/>
+                <a16:creationId xmlns:a16="http://schemas.microsoft.com/office/drawing/2014/main" xmlns="" id="{217F931A-AAEB-4F57-AD9D-87E4EBFCDD96}"/>
               </a:ext>
             </a:extLst>
           </p:cNvPr>
@@ -2923,7 +2923,7 @@
           <p:cNvPr id="2" name="标题 1">
             <a:extLst>
               <a:ext uri="{FF2B5EF4-FFF2-40B4-BE49-F238E27FC236}">
-                <a16:creationId xmlns:a16="http://schemas.microsoft.com/office/drawing/2014/main" id="{B561D6FE-6563-4E3E-8DCF-967E8E4C5969}"/>
+                <a16:creationId xmlns:a16="http://schemas.microsoft.com/office/drawing/2014/main" xmlns="" id="{B561D6FE-6563-4E3E-8DCF-967E8E4C5969}"/>
               </a:ext>
             </a:extLst>
           </p:cNvPr>
@@ -2959,7 +2959,7 @@
           <p:cNvPr id="3" name="文本占位符 2">
             <a:extLst>
               <a:ext uri="{FF2B5EF4-FFF2-40B4-BE49-F238E27FC236}">
-                <a16:creationId xmlns:a16="http://schemas.microsoft.com/office/drawing/2014/main" id="{EF495E06-C628-4E35-BC85-0658EEC9479A}"/>
+                <a16:creationId xmlns:a16="http://schemas.microsoft.com/office/drawing/2014/main" xmlns="" id="{EF495E06-C628-4E35-BC85-0658EEC9479A}"/>
               </a:ext>
             </a:extLst>
           </p:cNvPr>
@@ -3033,7 +3033,7 @@
           <p:cNvPr id="4" name="内容占位符 3">
             <a:extLst>
               <a:ext uri="{FF2B5EF4-FFF2-40B4-BE49-F238E27FC236}">
-                <a16:creationId xmlns:a16="http://schemas.microsoft.com/office/drawing/2014/main" id="{41BDB29C-A7B8-4137-81D4-63ABBA3D22C3}"/>
+                <a16:creationId xmlns:a16="http://schemas.microsoft.com/office/drawing/2014/main" xmlns="" id="{41BDB29C-A7B8-4137-81D4-63ABBA3D22C3}"/>
               </a:ext>
             </a:extLst>
           </p:cNvPr>
@@ -3098,7 +3098,7 @@
           <p:cNvPr id="5" name="文本占位符 4">
             <a:extLst>
               <a:ext uri="{FF2B5EF4-FFF2-40B4-BE49-F238E27FC236}">
-                <a16:creationId xmlns:a16="http://schemas.microsoft.com/office/drawing/2014/main" id="{A20CFAB9-84EC-4D37-AD4C-3A6196CE0473}"/>
+                <a16:creationId xmlns:a16="http://schemas.microsoft.com/office/drawing/2014/main" xmlns="" id="{A20CFAB9-84EC-4D37-AD4C-3A6196CE0473}"/>
               </a:ext>
             </a:extLst>
           </p:cNvPr>
@@ -3172,7 +3172,7 @@
           <p:cNvPr id="6" name="内容占位符 5">
             <a:extLst>
               <a:ext uri="{FF2B5EF4-FFF2-40B4-BE49-F238E27FC236}">
-                <a16:creationId xmlns:a16="http://schemas.microsoft.com/office/drawing/2014/main" id="{6142506C-E597-4A42-BA06-1A2954605291}"/>
+                <a16:creationId xmlns:a16="http://schemas.microsoft.com/office/drawing/2014/main" xmlns="" id="{6142506C-E597-4A42-BA06-1A2954605291}"/>
               </a:ext>
             </a:extLst>
           </p:cNvPr>
@@ -3237,7 +3237,7 @@
           <p:cNvPr id="7" name="日期占位符 6">
             <a:extLst>
               <a:ext uri="{FF2B5EF4-FFF2-40B4-BE49-F238E27FC236}">
-                <a16:creationId xmlns:a16="http://schemas.microsoft.com/office/drawing/2014/main" id="{3FC0677C-2009-4DEB-A3D4-9773E09A21C3}"/>
+                <a16:creationId xmlns:a16="http://schemas.microsoft.com/office/drawing/2014/main" xmlns="" id="{3FC0677C-2009-4DEB-A3D4-9773E09A21C3}"/>
               </a:ext>
             </a:extLst>
           </p:cNvPr>
@@ -3263,7 +3263,7 @@
           <a:p>
             <a:fld id="{825BAC3E-C3F3-414A-A8F8-0653CEC4CAF6}" type="datetimeFigureOut">
               <a:rPr lang="zh-CN" altLang="en-US" smtClean="0"/>
-              <a:t>2021/2/5</a:t>
+              <a:t>2021/2/6</a:t>
             </a:fld>
             <a:endParaRPr lang="zh-CN" altLang="en-US"/>
           </a:p>
@@ -3274,7 +3274,7 @@
           <p:cNvPr id="8" name="页脚占位符 7">
             <a:extLst>
               <a:ext uri="{FF2B5EF4-FFF2-40B4-BE49-F238E27FC236}">
-                <a16:creationId xmlns:a16="http://schemas.microsoft.com/office/drawing/2014/main" id="{AA5166BB-595C-4B39-A508-B0B1414C9470}"/>
+                <a16:creationId xmlns:a16="http://schemas.microsoft.com/office/drawing/2014/main" xmlns="" id="{AA5166BB-595C-4B39-A508-B0B1414C9470}"/>
               </a:ext>
             </a:extLst>
           </p:cNvPr>
@@ -3307,7 +3307,7 @@
           <p:cNvPr id="9" name="灯片编号占位符 8">
             <a:extLst>
               <a:ext uri="{FF2B5EF4-FFF2-40B4-BE49-F238E27FC236}">
-                <a16:creationId xmlns:a16="http://schemas.microsoft.com/office/drawing/2014/main" id="{5E595CCA-91F2-4C94-9067-33EF2D7812BD}"/>
+                <a16:creationId xmlns:a16="http://schemas.microsoft.com/office/drawing/2014/main" xmlns="" id="{5E595CCA-91F2-4C94-9067-33EF2D7812BD}"/>
               </a:ext>
             </a:extLst>
           </p:cNvPr>
@@ -3934,7 +3934,7 @@
           <p:cNvPr id="2" name="标题 1">
             <a:extLst>
               <a:ext uri="{FF2B5EF4-FFF2-40B4-BE49-F238E27FC236}">
-                <a16:creationId xmlns:a16="http://schemas.microsoft.com/office/drawing/2014/main" id="{8F16CBBA-C1E8-4A4A-BA6F-48BE1294C04D}"/>
+                <a16:creationId xmlns:a16="http://schemas.microsoft.com/office/drawing/2014/main" xmlns="" id="{8F16CBBA-C1E8-4A4A-BA6F-48BE1294C04D}"/>
               </a:ext>
             </a:extLst>
           </p:cNvPr>
@@ -3970,7 +3970,7 @@
           <p:cNvPr id="3" name="日期占位符 2">
             <a:extLst>
               <a:ext uri="{FF2B5EF4-FFF2-40B4-BE49-F238E27FC236}">
-                <a16:creationId xmlns:a16="http://schemas.microsoft.com/office/drawing/2014/main" id="{62F52EAF-8396-42C1-B841-FEFF20917DBE}"/>
+                <a16:creationId xmlns:a16="http://schemas.microsoft.com/office/drawing/2014/main" xmlns="" id="{62F52EAF-8396-42C1-B841-FEFF20917DBE}"/>
               </a:ext>
             </a:extLst>
           </p:cNvPr>
@@ -3996,7 +3996,7 @@
           <a:p>
             <a:fld id="{825BAC3E-C3F3-414A-A8F8-0653CEC4CAF6}" type="datetimeFigureOut">
               <a:rPr lang="zh-CN" altLang="en-US" smtClean="0"/>
-              <a:t>2021/2/5</a:t>
+              <a:t>2021/2/6</a:t>
             </a:fld>
             <a:endParaRPr lang="zh-CN" altLang="en-US"/>
           </a:p>
@@ -4007,7 +4007,7 @@
           <p:cNvPr id="4" name="页脚占位符 3">
             <a:extLst>
               <a:ext uri="{FF2B5EF4-FFF2-40B4-BE49-F238E27FC236}">
-                <a16:creationId xmlns:a16="http://schemas.microsoft.com/office/drawing/2014/main" id="{163FC551-61DC-4EB8-9318-04DA33A518AC}"/>
+                <a16:creationId xmlns:a16="http://schemas.microsoft.com/office/drawing/2014/main" xmlns="" id="{163FC551-61DC-4EB8-9318-04DA33A518AC}"/>
               </a:ext>
             </a:extLst>
           </p:cNvPr>
@@ -4040,7 +4040,7 @@
           <p:cNvPr id="5" name="灯片编号占位符 4">
             <a:extLst>
               <a:ext uri="{FF2B5EF4-FFF2-40B4-BE49-F238E27FC236}">
-                <a16:creationId xmlns:a16="http://schemas.microsoft.com/office/drawing/2014/main" id="{613EE9BC-7E80-4587-8A8C-229D6C60F15D}"/>
+                <a16:creationId xmlns:a16="http://schemas.microsoft.com/office/drawing/2014/main" xmlns="" id="{613EE9BC-7E80-4587-8A8C-229D6C60F15D}"/>
               </a:ext>
             </a:extLst>
           </p:cNvPr>
@@ -4436,7 +4436,7 @@
           <p:cNvPr id="4" name="矩形 3" descr="e7d195523061f1c0c989bbdf341b111e769f2ee359bd8df638E53E9931A62DC22263A6E1A75FFBC630BB5D77BA969D9175F253EB94D93A1189E24A7D909BAD0376573965191318DE1FD009565C070D0758BE63ED47B2EDEA90557AF5557698B3C970B7156711F56A817E054E0F6C1C4A122430A250CE9C515ABA2065CACC41450FAD86564000734B172F27CA8E080E88">
             <a:extLst>
               <a:ext uri="{FF2B5EF4-FFF2-40B4-BE49-F238E27FC236}">
-                <a16:creationId xmlns:a16="http://schemas.microsoft.com/office/drawing/2014/main" id="{1C1797E4-B4BD-43BA-B757-9546382A5095}"/>
+                <a16:creationId xmlns:a16="http://schemas.microsoft.com/office/drawing/2014/main" xmlns="" id="{1C1797E4-B4BD-43BA-B757-9546382A5095}"/>
               </a:ext>
             </a:extLst>
           </p:cNvPr>
@@ -4774,7 +4774,7 @@
           <p:cNvPr id="2" name="矩形 1" descr="e7d195523061f1c0c989bbdf341b111e769f2ee359bd8df638E53E9931A62DC22263A6E1A75FFBC630BB5D77BA969D9175F253EB94D93A1189E24A7D909BAD0376573965191318DE1FD009565C070D0758BE63ED47B2EDEA90557AF5557698B3C970B7156711F56A817E054E0F6C1C4A122430A250CE9C515ABA2065CACC41450FAD86564000734B172F27CA8E080E88">
             <a:extLst>
               <a:ext uri="{FF2B5EF4-FFF2-40B4-BE49-F238E27FC236}">
-                <a16:creationId xmlns:a16="http://schemas.microsoft.com/office/drawing/2014/main" id="{7B165692-0E1F-4A2E-BE21-3B9B881C79BA}"/>
+                <a16:creationId xmlns:a16="http://schemas.microsoft.com/office/drawing/2014/main" xmlns="" id="{7B165692-0E1F-4A2E-BE21-3B9B881C79BA}"/>
               </a:ext>
             </a:extLst>
           </p:cNvPr>
@@ -4857,7 +4857,7 @@
           <p:cNvPr id="3" name="矩形 2" descr="e7d195523061f1c0c989bbdf341b111e769f2ee359bd8df638E53E9931A62DC22263A6E1A75FFBC630BB5D77BA969D9175F253EB94D93A1189E24A7D909BAD0376573965191318DE1FD009565C070D0758BE63ED47B2EDEA90557AF5557698B3C970B7156711F56A817E054E0F6C1C4A122430A250CE9C515ABA2065CACC41450FAD86564000734B172F27CA8E080E88">
             <a:extLst>
               <a:ext uri="{FF2B5EF4-FFF2-40B4-BE49-F238E27FC236}">
-                <a16:creationId xmlns:a16="http://schemas.microsoft.com/office/drawing/2014/main" id="{531F02A6-F005-49BF-8CCA-F3A10B80431C}"/>
+                <a16:creationId xmlns:a16="http://schemas.microsoft.com/office/drawing/2014/main" xmlns="" id="{531F02A6-F005-49BF-8CCA-F3A10B80431C}"/>
               </a:ext>
             </a:extLst>
           </p:cNvPr>
@@ -4918,7 +4918,7 @@
           <p:cNvPr id="4" name="矩形 3" descr="e7d195523061f1c0c989bbdf341b111e769f2ee359bd8df638E53E9931A62DC22263A6E1A75FFBC630BB5D77BA969D9175F253EB94D93A1189E24A7D909BAD0376573965191318DE1FD009565C070D0758BE63ED47B2EDEA90557AF5557698B3C970B7156711F56A817E054E0F6C1C4A122430A250CE9C515ABA2065CACC41450FAD86564000734B172F27CA8E080E88">
             <a:extLst>
               <a:ext uri="{FF2B5EF4-FFF2-40B4-BE49-F238E27FC236}">
-                <a16:creationId xmlns:a16="http://schemas.microsoft.com/office/drawing/2014/main" id="{66D11E67-43F4-481C-9840-7E40A82948F4}"/>
+                <a16:creationId xmlns:a16="http://schemas.microsoft.com/office/drawing/2014/main" xmlns="" id="{66D11E67-43F4-481C-9840-7E40A82948F4}"/>
               </a:ext>
             </a:extLst>
           </p:cNvPr>
@@ -5336,7 +5336,7 @@
           <p:cNvPr id="17" name="矩形 16" descr="e7d195523061f1c0c989bbdf341b111e769f2ee359bd8df638E53E9931A62DC22263A6E1A75FFBC630BB5D77BA969D9175F253EB94D93A1189E24A7D909BAD0376573965191318DE1FD009565C070D0758BE63ED47B2EDEA90557AF5557698B3C970B7156711F56A817E054E0F6C1C4A122430A250CE9C515ABA2065CACC41450FAD86564000734B172F27CA8E080E88">
             <a:extLst>
               <a:ext uri="{FF2B5EF4-FFF2-40B4-BE49-F238E27FC236}">
-                <a16:creationId xmlns:a16="http://schemas.microsoft.com/office/drawing/2014/main" id="{A64CFFEF-D67B-423F-8CD1-5867F3E68A2A}"/>
+                <a16:creationId xmlns:a16="http://schemas.microsoft.com/office/drawing/2014/main" xmlns="" id="{A64CFFEF-D67B-423F-8CD1-5867F3E68A2A}"/>
               </a:ext>
             </a:extLst>
           </p:cNvPr>
@@ -5419,7 +5419,7 @@
           <p:cNvPr id="21" name="矩形 20" descr="e7d195523061f1c0c989bbdf341b111e769f2ee359bd8df638E53E9931A62DC22263A6E1A75FFBC630BB5D77BA969D9175F253EB94D93A1189E24A7D909BAD0376573965191318DE1FD009565C070D0758BE63ED47B2EDEA90557AF5557698B3C970B7156711F56A817E054E0F6C1C4A122430A250CE9C515ABA2065CACC41450FAD86564000734B172F27CA8E080E88">
             <a:extLst>
               <a:ext uri="{FF2B5EF4-FFF2-40B4-BE49-F238E27FC236}">
-                <a16:creationId xmlns:a16="http://schemas.microsoft.com/office/drawing/2014/main" id="{D763D0E5-6591-42AD-BEDC-C4E3ABB349C7}"/>
+                <a16:creationId xmlns:a16="http://schemas.microsoft.com/office/drawing/2014/main" xmlns="" id="{D763D0E5-6591-42AD-BEDC-C4E3ABB349C7}"/>
               </a:ext>
             </a:extLst>
           </p:cNvPr>
@@ -5480,7 +5480,7 @@
           <p:cNvPr id="5" name="直角三角形 4">
             <a:extLst>
               <a:ext uri="{FF2B5EF4-FFF2-40B4-BE49-F238E27FC236}">
-                <a16:creationId xmlns:a16="http://schemas.microsoft.com/office/drawing/2014/main" id="{0457CBDA-1084-499D-9DB5-0A10DA790ECE}"/>
+                <a16:creationId xmlns:a16="http://schemas.microsoft.com/office/drawing/2014/main" xmlns="" id="{0457CBDA-1084-499D-9DB5-0A10DA790ECE}"/>
               </a:ext>
             </a:extLst>
           </p:cNvPr>
@@ -5550,7 +5550,7 @@
           <p:cNvPr id="6" name="Picture 46" descr="iPhone6_mockup_front_white.png">
             <a:extLst>
               <a:ext uri="{FF2B5EF4-FFF2-40B4-BE49-F238E27FC236}">
-                <a16:creationId xmlns:a16="http://schemas.microsoft.com/office/drawing/2014/main" id="{F3B55AA6-DC9A-4670-A8B7-3D6B2BDD1373}"/>
+                <a16:creationId xmlns:a16="http://schemas.microsoft.com/office/drawing/2014/main" xmlns="" id="{F3B55AA6-DC9A-4670-A8B7-3D6B2BDD1373}"/>
               </a:ext>
             </a:extLst>
           </p:cNvPr>
@@ -5586,7 +5586,7 @@
           <p:cNvPr id="8" name="矩形 7">
             <a:extLst>
               <a:ext uri="{FF2B5EF4-FFF2-40B4-BE49-F238E27FC236}">
-                <a16:creationId xmlns:a16="http://schemas.microsoft.com/office/drawing/2014/main" id="{7B5F882C-D045-43ED-AF41-BBE9449DA8A4}"/>
+                <a16:creationId xmlns:a16="http://schemas.microsoft.com/office/drawing/2014/main" xmlns="" id="{7B5F882C-D045-43ED-AF41-BBE9449DA8A4}"/>
               </a:ext>
             </a:extLst>
           </p:cNvPr>
@@ -5596,7 +5596,7 @@
         <p:spPr>
           <a:xfrm>
             <a:off x="982418" y="1651254"/>
-            <a:ext cx="7143082" cy="3739998"/>
+            <a:ext cx="7143082" cy="3785652"/>
           </a:xfrm>
           <a:prstGeom prst="rect">
             <a:avLst/>
@@ -5754,7 +5754,35 @@
                 <a:cs typeface="Arial" panose="020B0604020202020204" pitchFamily="34" charset="0"/>
                 <a:sym typeface="Arial" panose="020B0604020202020204" pitchFamily="34" charset="0"/>
               </a:rPr>
-              <a:t>学习方面，我看到和我一起的实习同事，都非常的努力学习。自己以前还认为自己学习已经很努力了，谁知道这只是常态。嗯不能浮躁，要静下心的学习。</a:t>
+              <a:t>学习方面，我看到和我一起的实习同事，都非常的努力学习。自己以前还认为自己学习已经很努力了，谁知道这只是常态</a:t>
+            </a:r>
+            <a:r>
+              <a:rPr lang="zh-CN" altLang="en-US" sz="1600" noProof="1" smtClean="0">
+                <a:solidFill>
+                  <a:schemeClr val="bg1">
+                    <a:lumMod val="65000"/>
+                  </a:schemeClr>
+                </a:solidFill>
+                <a:latin typeface="Arial" panose="020B0604020202020204" pitchFamily="34" charset="0"/>
+                <a:ea typeface="微软雅黑" panose="020B0503020204020204" pitchFamily="34" charset="-122"/>
+                <a:cs typeface="Arial" panose="020B0604020202020204" pitchFamily="34" charset="0"/>
+                <a:sym typeface="Arial" panose="020B0604020202020204" pitchFamily="34" charset="0"/>
+              </a:rPr>
+              <a:t>。所以不能</a:t>
+            </a:r>
+            <a:r>
+              <a:rPr lang="zh-CN" altLang="en-US" sz="1600" noProof="1">
+                <a:solidFill>
+                  <a:schemeClr val="bg1">
+                    <a:lumMod val="65000"/>
+                  </a:schemeClr>
+                </a:solidFill>
+                <a:latin typeface="Arial" panose="020B0604020202020204" pitchFamily="34" charset="0"/>
+                <a:ea typeface="微软雅黑" panose="020B0503020204020204" pitchFamily="34" charset="-122"/>
+                <a:cs typeface="Arial" panose="020B0604020202020204" pitchFamily="34" charset="0"/>
+                <a:sym typeface="Arial" panose="020B0604020202020204" pitchFamily="34" charset="0"/>
+              </a:rPr>
+              <a:t>浮躁，要静下心的学习。</a:t>
             </a:r>
             <a:endParaRPr lang="en-US" altLang="zh-CN" sz="1600" noProof="1">
               <a:solidFill>
@@ -5775,7 +5803,7 @@
           <p:cNvPr id="15" name="图片 14">
             <a:extLst>
               <a:ext uri="{FF2B5EF4-FFF2-40B4-BE49-F238E27FC236}">
-                <a16:creationId xmlns:a16="http://schemas.microsoft.com/office/drawing/2014/main" id="{5F0AFA67-69A6-4529-A5DE-1A55AC1A9B49}"/>
+                <a16:creationId xmlns:a16="http://schemas.microsoft.com/office/drawing/2014/main" xmlns="" id="{5F0AFA67-69A6-4529-A5DE-1A55AC1A9B49}"/>
               </a:ext>
             </a:extLst>
           </p:cNvPr>
@@ -6373,7 +6401,7 @@
           <p:cNvPr id="2" name="矩形 1" descr="e7d195523061f1c0c989bbdf341b111e769f2ee359bd8df638E53E9931A62DC22263A6E1A75FFBC630BB5D77BA969D9175F253EB94D93A1189E24A7D909BAD0376573965191318DE1FD009565C070D0758BE63ED47B2EDEA90557AF5557698B3C970B7156711F56A817E054E0F6C1C4A122430A250CE9C515ABA2065CACC41450FAD86564000734B172F27CA8E080E88">
             <a:extLst>
               <a:ext uri="{FF2B5EF4-FFF2-40B4-BE49-F238E27FC236}">
-                <a16:creationId xmlns:a16="http://schemas.microsoft.com/office/drawing/2014/main" id="{7B165692-0E1F-4A2E-BE21-3B9B881C79BA}"/>
+                <a16:creationId xmlns:a16="http://schemas.microsoft.com/office/drawing/2014/main" xmlns="" id="{7B165692-0E1F-4A2E-BE21-3B9B881C79BA}"/>
               </a:ext>
             </a:extLst>
           </p:cNvPr>
@@ -6456,7 +6484,7 @@
           <p:cNvPr id="3" name="矩形 2" descr="e7d195523061f1c0c989bbdf341b111e769f2ee359bd8df638E53E9931A62DC22263A6E1A75FFBC630BB5D77BA969D9175F253EB94D93A1189E24A7D909BAD0376573965191318DE1FD009565C070D0758BE63ED47B2EDEA90557AF5557698B3C970B7156711F56A817E054E0F6C1C4A122430A250CE9C515ABA2065CACC41450FAD86564000734B172F27CA8E080E88">
             <a:extLst>
               <a:ext uri="{FF2B5EF4-FFF2-40B4-BE49-F238E27FC236}">
-                <a16:creationId xmlns:a16="http://schemas.microsoft.com/office/drawing/2014/main" id="{531F02A6-F005-49BF-8CCA-F3A10B80431C}"/>
+                <a16:creationId xmlns:a16="http://schemas.microsoft.com/office/drawing/2014/main" xmlns="" id="{531F02A6-F005-49BF-8CCA-F3A10B80431C}"/>
               </a:ext>
             </a:extLst>
           </p:cNvPr>
@@ -6517,7 +6545,7 @@
           <p:cNvPr id="4" name="矩形 3" descr="e7d195523061f1c0c989bbdf341b111e769f2ee359bd8df638E53E9931A62DC22263A6E1A75FFBC630BB5D77BA969D9175F253EB94D93A1189E24A7D909BAD0376573965191318DE1FD009565C070D0758BE63ED47B2EDEA90557AF5557698B3C970B7156711F56A817E054E0F6C1C4A122430A250CE9C515ABA2065CACC41450FAD86564000734B172F27CA8E080E88">
             <a:extLst>
               <a:ext uri="{FF2B5EF4-FFF2-40B4-BE49-F238E27FC236}">
-                <a16:creationId xmlns:a16="http://schemas.microsoft.com/office/drawing/2014/main" id="{66D11E67-43F4-481C-9840-7E40A82948F4}"/>
+                <a16:creationId xmlns:a16="http://schemas.microsoft.com/office/drawing/2014/main" xmlns="" id="{66D11E67-43F4-481C-9840-7E40A82948F4}"/>
               </a:ext>
             </a:extLst>
           </p:cNvPr>
@@ -6935,7 +6963,7 @@
           <p:cNvPr id="17" name="矩形 16" descr="e7d195523061f1c0c989bbdf341b111e769f2ee359bd8df638E53E9931A62DC22263A6E1A75FFBC630BB5D77BA969D9175F253EB94D93A1189E24A7D909BAD0376573965191318DE1FD009565C070D0758BE63ED47B2EDEA90557AF5557698B3C970B7156711F56A817E054E0F6C1C4A122430A250CE9C515ABA2065CACC41450FAD86564000734B172F27CA8E080E88">
             <a:extLst>
               <a:ext uri="{FF2B5EF4-FFF2-40B4-BE49-F238E27FC236}">
-                <a16:creationId xmlns:a16="http://schemas.microsoft.com/office/drawing/2014/main" id="{A64CFFEF-D67B-423F-8CD1-5867F3E68A2A}"/>
+                <a16:creationId xmlns:a16="http://schemas.microsoft.com/office/drawing/2014/main" xmlns="" id="{A64CFFEF-D67B-423F-8CD1-5867F3E68A2A}"/>
               </a:ext>
             </a:extLst>
           </p:cNvPr>
@@ -7018,7 +7046,7 @@
           <p:cNvPr id="21" name="矩形 20" descr="e7d195523061f1c0c989bbdf341b111e769f2ee359bd8df638E53E9931A62DC22263A6E1A75FFBC630BB5D77BA969D9175F253EB94D93A1189E24A7D909BAD0376573965191318DE1FD009565C070D0758BE63ED47B2EDEA90557AF5557698B3C970B7156711F56A817E054E0F6C1C4A122430A250CE9C515ABA2065CACC41450FAD86564000734B172F27CA8E080E88">
             <a:extLst>
               <a:ext uri="{FF2B5EF4-FFF2-40B4-BE49-F238E27FC236}">
-                <a16:creationId xmlns:a16="http://schemas.microsoft.com/office/drawing/2014/main" id="{D763D0E5-6591-42AD-BEDC-C4E3ABB349C7}"/>
+                <a16:creationId xmlns:a16="http://schemas.microsoft.com/office/drawing/2014/main" xmlns="" id="{D763D0E5-6591-42AD-BEDC-C4E3ABB349C7}"/>
               </a:ext>
             </a:extLst>
           </p:cNvPr>
@@ -7079,7 +7107,7 @@
           <p:cNvPr id="6" name="任意多边形 5">
             <a:extLst>
               <a:ext uri="{FF2B5EF4-FFF2-40B4-BE49-F238E27FC236}">
-                <a16:creationId xmlns:a16="http://schemas.microsoft.com/office/drawing/2014/main" id="{A70716BD-0FA4-4C5E-9C5B-F7E1818474EF}"/>
+                <a16:creationId xmlns:a16="http://schemas.microsoft.com/office/drawing/2014/main" xmlns="" id="{A70716BD-0FA4-4C5E-9C5B-F7E1818474EF}"/>
               </a:ext>
             </a:extLst>
           </p:cNvPr>
@@ -7400,7 +7428,7 @@
           <p:cNvPr id="7" name="任意多边形 6">
             <a:extLst>
               <a:ext uri="{FF2B5EF4-FFF2-40B4-BE49-F238E27FC236}">
-                <a16:creationId xmlns:a16="http://schemas.microsoft.com/office/drawing/2014/main" id="{BEAE1BFE-90A6-4091-9F59-F9EAE2DD1322}"/>
+                <a16:creationId xmlns:a16="http://schemas.microsoft.com/office/drawing/2014/main" xmlns="" id="{BEAE1BFE-90A6-4091-9F59-F9EAE2DD1322}"/>
               </a:ext>
             </a:extLst>
           </p:cNvPr>
@@ -7705,7 +7733,7 @@
           <p:cNvPr id="8" name="任意多边形 4">
             <a:extLst>
               <a:ext uri="{FF2B5EF4-FFF2-40B4-BE49-F238E27FC236}">
-                <a16:creationId xmlns:a16="http://schemas.microsoft.com/office/drawing/2014/main" id="{152D5028-1DB0-4DD0-830C-BC3BF41EB223}"/>
+                <a16:creationId xmlns:a16="http://schemas.microsoft.com/office/drawing/2014/main" xmlns="" id="{152D5028-1DB0-4DD0-830C-BC3BF41EB223}"/>
               </a:ext>
             </a:extLst>
           </p:cNvPr>
@@ -8002,7 +8030,7 @@
           <p:cNvPr id="9" name="任意多边形 5">
             <a:extLst>
               <a:ext uri="{FF2B5EF4-FFF2-40B4-BE49-F238E27FC236}">
-                <a16:creationId xmlns:a16="http://schemas.microsoft.com/office/drawing/2014/main" id="{9C3CF111-CEA5-4C20-8FB0-8C50C8684A2D}"/>
+                <a16:creationId xmlns:a16="http://schemas.microsoft.com/office/drawing/2014/main" xmlns="" id="{9C3CF111-CEA5-4C20-8FB0-8C50C8684A2D}"/>
               </a:ext>
             </a:extLst>
           </p:cNvPr>
@@ -8323,7 +8351,7 @@
           <p:cNvPr id="10" name="椭圆 9">
             <a:extLst>
               <a:ext uri="{FF2B5EF4-FFF2-40B4-BE49-F238E27FC236}">
-                <a16:creationId xmlns:a16="http://schemas.microsoft.com/office/drawing/2014/main" id="{23183B11-FFA0-4C5A-A81F-9E9FFBC6139E}"/>
+                <a16:creationId xmlns:a16="http://schemas.microsoft.com/office/drawing/2014/main" xmlns="" id="{23183B11-FFA0-4C5A-A81F-9E9FFBC6139E}"/>
               </a:ext>
             </a:extLst>
           </p:cNvPr>
@@ -8389,7 +8417,7 @@
           <p:cNvPr id="11" name="文本框 10">
             <a:extLst>
               <a:ext uri="{FF2B5EF4-FFF2-40B4-BE49-F238E27FC236}">
-                <a16:creationId xmlns:a16="http://schemas.microsoft.com/office/drawing/2014/main" id="{2F420A34-C71B-4D40-9361-1548ED92CEF9}"/>
+                <a16:creationId xmlns:a16="http://schemas.microsoft.com/office/drawing/2014/main" xmlns="" id="{2F420A34-C71B-4D40-9361-1548ED92CEF9}"/>
               </a:ext>
             </a:extLst>
           </p:cNvPr>
@@ -8442,7 +8470,7 @@
           <p:cNvPr id="14" name="椭圆 13">
             <a:extLst>
               <a:ext uri="{FF2B5EF4-FFF2-40B4-BE49-F238E27FC236}">
-                <a16:creationId xmlns:a16="http://schemas.microsoft.com/office/drawing/2014/main" id="{A3C78C2B-6D97-414A-8704-7D662BEF2BED}"/>
+                <a16:creationId xmlns:a16="http://schemas.microsoft.com/office/drawing/2014/main" xmlns="" id="{A3C78C2B-6D97-414A-8704-7D662BEF2BED}"/>
               </a:ext>
             </a:extLst>
           </p:cNvPr>
@@ -8508,7 +8536,7 @@
           <p:cNvPr id="15" name="文本框 14">
             <a:extLst>
               <a:ext uri="{FF2B5EF4-FFF2-40B4-BE49-F238E27FC236}">
-                <a16:creationId xmlns:a16="http://schemas.microsoft.com/office/drawing/2014/main" id="{E96D875B-9B05-4B55-975C-D447187F36C1}"/>
+                <a16:creationId xmlns:a16="http://schemas.microsoft.com/office/drawing/2014/main" xmlns="" id="{E96D875B-9B05-4B55-975C-D447187F36C1}"/>
               </a:ext>
             </a:extLst>
           </p:cNvPr>
@@ -8561,7 +8589,7 @@
           <p:cNvPr id="16" name="椭圆 15">
             <a:extLst>
               <a:ext uri="{FF2B5EF4-FFF2-40B4-BE49-F238E27FC236}">
-                <a16:creationId xmlns:a16="http://schemas.microsoft.com/office/drawing/2014/main" id="{30625A19-9A94-4440-B8FD-72415248E482}"/>
+                <a16:creationId xmlns:a16="http://schemas.microsoft.com/office/drawing/2014/main" xmlns="" id="{30625A19-9A94-4440-B8FD-72415248E482}"/>
               </a:ext>
             </a:extLst>
           </p:cNvPr>
@@ -8627,7 +8655,7 @@
           <p:cNvPr id="18" name="文本框 17">
             <a:extLst>
               <a:ext uri="{FF2B5EF4-FFF2-40B4-BE49-F238E27FC236}">
-                <a16:creationId xmlns:a16="http://schemas.microsoft.com/office/drawing/2014/main" id="{89DEE46C-90D2-4DBB-9F60-08A9FF465B91}"/>
+                <a16:creationId xmlns:a16="http://schemas.microsoft.com/office/drawing/2014/main" xmlns="" id="{89DEE46C-90D2-4DBB-9F60-08A9FF465B91}"/>
               </a:ext>
             </a:extLst>
           </p:cNvPr>
@@ -8680,7 +8708,7 @@
           <p:cNvPr id="19" name="Rectangle 23">
             <a:extLst>
               <a:ext uri="{FF2B5EF4-FFF2-40B4-BE49-F238E27FC236}">
-                <a16:creationId xmlns:a16="http://schemas.microsoft.com/office/drawing/2014/main" id="{D7385FF5-FA3F-4CD5-B07B-043EB12150AD}"/>
+                <a16:creationId xmlns:a16="http://schemas.microsoft.com/office/drawing/2014/main" xmlns="" id="{D7385FF5-FA3F-4CD5-B07B-043EB12150AD}"/>
               </a:ext>
             </a:extLst>
           </p:cNvPr>
@@ -8770,7 +8798,7 @@
           <p:cNvPr id="20" name="文本框 19">
             <a:extLst>
               <a:ext uri="{FF2B5EF4-FFF2-40B4-BE49-F238E27FC236}">
-                <a16:creationId xmlns:a16="http://schemas.microsoft.com/office/drawing/2014/main" id="{14432108-CA75-4491-B773-F0D5B4D5C627}"/>
+                <a16:creationId xmlns:a16="http://schemas.microsoft.com/office/drawing/2014/main" xmlns="" id="{14432108-CA75-4491-B773-F0D5B4D5C627}"/>
               </a:ext>
             </a:extLst>
           </p:cNvPr>
@@ -8827,7 +8855,7 @@
           <p:cNvPr id="22" name="Rectangle 23">
             <a:extLst>
               <a:ext uri="{FF2B5EF4-FFF2-40B4-BE49-F238E27FC236}">
-                <a16:creationId xmlns:a16="http://schemas.microsoft.com/office/drawing/2014/main" id="{672C8089-080E-461D-8872-BD72661EDC3B}"/>
+                <a16:creationId xmlns:a16="http://schemas.microsoft.com/office/drawing/2014/main" xmlns="" id="{672C8089-080E-461D-8872-BD72661EDC3B}"/>
               </a:ext>
             </a:extLst>
           </p:cNvPr>
@@ -8942,7 +8970,7 @@
           <p:cNvPr id="24" name="文本框 23">
             <a:extLst>
               <a:ext uri="{FF2B5EF4-FFF2-40B4-BE49-F238E27FC236}">
-                <a16:creationId xmlns:a16="http://schemas.microsoft.com/office/drawing/2014/main" id="{24C7923C-FABA-40E5-9374-8D7B0BBC6329}"/>
+                <a16:creationId xmlns:a16="http://schemas.microsoft.com/office/drawing/2014/main" xmlns="" id="{24C7923C-FABA-40E5-9374-8D7B0BBC6329}"/>
               </a:ext>
             </a:extLst>
           </p:cNvPr>
@@ -8999,7 +9027,7 @@
           <p:cNvPr id="27" name="Rectangle 23">
             <a:extLst>
               <a:ext uri="{FF2B5EF4-FFF2-40B4-BE49-F238E27FC236}">
-                <a16:creationId xmlns:a16="http://schemas.microsoft.com/office/drawing/2014/main" id="{8046A5A9-2DD5-475A-9BAE-0E743392B3C5}"/>
+                <a16:creationId xmlns:a16="http://schemas.microsoft.com/office/drawing/2014/main" xmlns="" id="{8046A5A9-2DD5-475A-9BAE-0E743392B3C5}"/>
               </a:ext>
             </a:extLst>
           </p:cNvPr>
@@ -9113,7 +9141,7 @@
           <p:cNvPr id="28" name="文本框 27">
             <a:extLst>
               <a:ext uri="{FF2B5EF4-FFF2-40B4-BE49-F238E27FC236}">
-                <a16:creationId xmlns:a16="http://schemas.microsoft.com/office/drawing/2014/main" id="{08528FBF-5EC1-4EB8-970F-EC8C7CC2AD2C}"/>
+                <a16:creationId xmlns:a16="http://schemas.microsoft.com/office/drawing/2014/main" xmlns="" id="{08528FBF-5EC1-4EB8-970F-EC8C7CC2AD2C}"/>
               </a:ext>
             </a:extLst>
           </p:cNvPr>
@@ -10721,7 +10749,7 @@
           <p:cNvPr id="2" name="矩形 1" descr="e7d195523061f1c0c989bbdf341b111e769f2ee359bd8df638E53E9931A62DC22263A6E1A75FFBC630BB5D77BA969D9175F253EB94D93A1189E24A7D909BAD0376573965191318DE1FD009565C070D0758BE63ED47B2EDEA90557AF5557698B3C970B7156711F56A817E054E0F6C1C4A122430A250CE9C515ABA2065CACC41450FAD86564000734B172F27CA8E080E88">
             <a:extLst>
               <a:ext uri="{FF2B5EF4-FFF2-40B4-BE49-F238E27FC236}">
-                <a16:creationId xmlns:a16="http://schemas.microsoft.com/office/drawing/2014/main" id="{FAD63191-474E-460F-88C5-3380F1A300C3}"/>
+                <a16:creationId xmlns:a16="http://schemas.microsoft.com/office/drawing/2014/main" xmlns="" id="{FAD63191-474E-460F-88C5-3380F1A300C3}"/>
               </a:ext>
             </a:extLst>
           </p:cNvPr>
@@ -10782,7 +10810,7 @@
           <p:cNvPr id="3" name="矩形 2" descr="e7d195523061f1c0c989bbdf341b111e769f2ee359bd8df638E53E9931A62DC22263A6E1A75FFBC630BB5D77BA969D9175F253EB94D93A1189E24A7D909BAD0376573965191318DE1FD009565C070D0758BE63ED47B2EDEA90557AF5557698B3C970B7156711F56A817E054E0F6C1C4A122430A250CE9C515ABA2065CACC41450FAD86564000734B172F27CA8E080E88">
             <a:extLst>
               <a:ext uri="{FF2B5EF4-FFF2-40B4-BE49-F238E27FC236}">
-                <a16:creationId xmlns:a16="http://schemas.microsoft.com/office/drawing/2014/main" id="{2429E13A-9DE6-4286-BC31-A025318C050B}"/>
+                <a16:creationId xmlns:a16="http://schemas.microsoft.com/office/drawing/2014/main" xmlns="" id="{2429E13A-9DE6-4286-BC31-A025318C050B}"/>
               </a:ext>
             </a:extLst>
           </p:cNvPr>
@@ -10843,7 +10871,7 @@
           <p:cNvPr id="4" name="矩形 3" descr="e7d195523061f1c0c989bbdf341b111e769f2ee359bd8df638E53E9931A62DC22263A6E1A75FFBC630BB5D77BA969D9175F253EB94D93A1189E24A7D909BAD0376573965191318DE1FD009565C070D0758BE63ED47B2EDEA90557AF5557698B3C970B7156711F56A817E054E0F6C1C4A122430A250CE9C515ABA2065CACC41450FAD86564000734B172F27CA8E080E88">
             <a:extLst>
               <a:ext uri="{FF2B5EF4-FFF2-40B4-BE49-F238E27FC236}">
-                <a16:creationId xmlns:a16="http://schemas.microsoft.com/office/drawing/2014/main" id="{1C1797E4-B4BD-43BA-B757-9546382A5095}"/>
+                <a16:creationId xmlns:a16="http://schemas.microsoft.com/office/drawing/2014/main" xmlns="" id="{1C1797E4-B4BD-43BA-B757-9546382A5095}"/>
               </a:ext>
             </a:extLst>
           </p:cNvPr>
@@ -11261,7 +11289,7 @@
           <p:cNvPr id="2" name="Title 1">
             <a:extLst>
               <a:ext uri="{FF2B5EF4-FFF2-40B4-BE49-F238E27FC236}">
-                <a16:creationId xmlns:a16="http://schemas.microsoft.com/office/drawing/2014/main" id="{E920EA06-2435-45A6-AD58-FC103F93D216}"/>
+                <a16:creationId xmlns:a16="http://schemas.microsoft.com/office/drawing/2014/main" xmlns="" id="{E920EA06-2435-45A6-AD58-FC103F93D216}"/>
               </a:ext>
             </a:extLst>
           </p:cNvPr>
@@ -11354,7 +11382,7 @@
           <p:cNvPr id="27" name="矩形 26" descr="e7d195523061f1c0c989bbdf341b111e769f2ee359bd8df638E53E9931A62DC22263A6E1A75FFBC630BB5D77BA969D9175F253EB94D93A1189E24A7D909BAD0376573965191318DE1FD009565C070D0758BE63ED47B2EDEA90557AF5557698B3C970B7156711F56A817E054E0F6C1C4A122430A250CE9C515ABA2065CACC41450FAD86564000734B172F27CA8E080E88">
             <a:extLst>
               <a:ext uri="{FF2B5EF4-FFF2-40B4-BE49-F238E27FC236}">
-                <a16:creationId xmlns:a16="http://schemas.microsoft.com/office/drawing/2014/main" id="{DDDC46E9-7BCF-4304-A394-ECCD2C4E668E}"/>
+                <a16:creationId xmlns:a16="http://schemas.microsoft.com/office/drawing/2014/main" xmlns="" id="{DDDC46E9-7BCF-4304-A394-ECCD2C4E668E}"/>
               </a:ext>
             </a:extLst>
           </p:cNvPr>
@@ -11437,7 +11465,7 @@
           <p:cNvPr id="29" name="Rectangle 70">
             <a:extLst>
               <a:ext uri="{FF2B5EF4-FFF2-40B4-BE49-F238E27FC236}">
-                <a16:creationId xmlns:a16="http://schemas.microsoft.com/office/drawing/2014/main" id="{ACEA9BD9-348E-410C-8EE5-0CAD2797EEED}"/>
+                <a16:creationId xmlns:a16="http://schemas.microsoft.com/office/drawing/2014/main" xmlns="" id="{ACEA9BD9-348E-410C-8EE5-0CAD2797EEED}"/>
               </a:ext>
             </a:extLst>
           </p:cNvPr>
@@ -11691,7 +11719,7 @@
           <p:cNvPr id="31" name="矩形 30" descr="e7d195523061f1c0c989bbdf341b111e769f2ee359bd8df638E53E9931A62DC22263A6E1A75FFBC630BB5D77BA969D9175F253EB94D93A1189E24A7D909BAD0376573965191318DE1FD009565C070D0758BE63ED47B2EDEA90557AF5557698B3C970B7156711F56A817E054E0F6C1C4A122430A250CE9C515ABA2065CACC41450FAD86564000734B172F27CA8E080E88">
             <a:extLst>
               <a:ext uri="{FF2B5EF4-FFF2-40B4-BE49-F238E27FC236}">
-                <a16:creationId xmlns:a16="http://schemas.microsoft.com/office/drawing/2014/main" id="{60633AA0-737B-4A8D-8674-7C71B8790791}"/>
+                <a16:creationId xmlns:a16="http://schemas.microsoft.com/office/drawing/2014/main" xmlns="" id="{60633AA0-737B-4A8D-8674-7C71B8790791}"/>
               </a:ext>
             </a:extLst>
           </p:cNvPr>
@@ -11774,7 +11802,7 @@
           <p:cNvPr id="33" name="Rectangle 70">
             <a:extLst>
               <a:ext uri="{FF2B5EF4-FFF2-40B4-BE49-F238E27FC236}">
-                <a16:creationId xmlns:a16="http://schemas.microsoft.com/office/drawing/2014/main" id="{157A3917-30E0-402F-922A-C0A37BF559AE}"/>
+                <a16:creationId xmlns:a16="http://schemas.microsoft.com/office/drawing/2014/main" xmlns="" id="{157A3917-30E0-402F-922A-C0A37BF559AE}"/>
               </a:ext>
             </a:extLst>
           </p:cNvPr>
@@ -12048,7 +12076,7 @@
           <p:cNvPr id="35" name="矩形 34" descr="e7d195523061f1c0c989bbdf341b111e769f2ee359bd8df638E53E9931A62DC22263A6E1A75FFBC630BB5D77BA969D9175F253EB94D93A1189E24A7D909BAD0376573965191318DE1FD009565C070D0758BE63ED47B2EDEA90557AF5557698B3C970B7156711F56A817E054E0F6C1C4A122430A250CE9C515ABA2065CACC41450FAD86564000734B172F27CA8E080E88">
             <a:extLst>
               <a:ext uri="{FF2B5EF4-FFF2-40B4-BE49-F238E27FC236}">
-                <a16:creationId xmlns:a16="http://schemas.microsoft.com/office/drawing/2014/main" id="{1836E1C1-02CE-4E61-8192-31EF2550E10F}"/>
+                <a16:creationId xmlns:a16="http://schemas.microsoft.com/office/drawing/2014/main" xmlns="" id="{1836E1C1-02CE-4E61-8192-31EF2550E10F}"/>
               </a:ext>
             </a:extLst>
           </p:cNvPr>
@@ -12131,7 +12159,7 @@
           <p:cNvPr id="37" name="Rectangle 70">
             <a:extLst>
               <a:ext uri="{FF2B5EF4-FFF2-40B4-BE49-F238E27FC236}">
-                <a16:creationId xmlns:a16="http://schemas.microsoft.com/office/drawing/2014/main" id="{3A960ACF-6168-4933-B77E-5F24551B5770}"/>
+                <a16:creationId xmlns:a16="http://schemas.microsoft.com/office/drawing/2014/main" xmlns="" id="{3A960ACF-6168-4933-B77E-5F24551B5770}"/>
               </a:ext>
             </a:extLst>
           </p:cNvPr>
@@ -12384,7 +12412,7 @@
           <p:cNvPr id="39" name="矩形 38" descr="e7d195523061f1c0c989bbdf341b111e769f2ee359bd8df638E53E9931A62DC22263A6E1A75FFBC630BB5D77BA969D9175F253EB94D93A1189E24A7D909BAD0376573965191318DE1FD009565C070D0758BE63ED47B2EDEA90557AF5557698B3C970B7156711F56A817E054E0F6C1C4A122430A250CE9C515ABA2065CACC41450FAD86564000734B172F27CA8E080E88">
             <a:extLst>
               <a:ext uri="{FF2B5EF4-FFF2-40B4-BE49-F238E27FC236}">
-                <a16:creationId xmlns:a16="http://schemas.microsoft.com/office/drawing/2014/main" id="{853C738B-6155-49DD-BB13-33D1F90FE8B0}"/>
+                <a16:creationId xmlns:a16="http://schemas.microsoft.com/office/drawing/2014/main" xmlns="" id="{853C738B-6155-49DD-BB13-33D1F90FE8B0}"/>
               </a:ext>
             </a:extLst>
           </p:cNvPr>
@@ -12467,7 +12495,7 @@
           <p:cNvPr id="41" name="Rectangle 70">
             <a:extLst>
               <a:ext uri="{FF2B5EF4-FFF2-40B4-BE49-F238E27FC236}">
-                <a16:creationId xmlns:a16="http://schemas.microsoft.com/office/drawing/2014/main" id="{B3BD9DC7-59E6-4B15-8331-8491EDE1F492}"/>
+                <a16:creationId xmlns:a16="http://schemas.microsoft.com/office/drawing/2014/main" xmlns="" id="{B3BD9DC7-59E6-4B15-8331-8491EDE1F492}"/>
               </a:ext>
             </a:extLst>
           </p:cNvPr>
@@ -13592,7 +13620,7 @@
           <p:cNvPr id="2" name="矩形 1" descr="e7d195523061f1c0c989bbdf341b111e769f2ee359bd8df638E53E9931A62DC22263A6E1A75FFBC630BB5D77BA969D9175F253EB94D93A1189E24A7D909BAD0376573965191318DE1FD009565C070D0758BE63ED47B2EDEA90557AF5557698B3C970B7156711F56A817E054E0F6C1C4A122430A250CE9C515ABA2065CACC41450FAD86564000734B172F27CA8E080E88">
             <a:extLst>
               <a:ext uri="{FF2B5EF4-FFF2-40B4-BE49-F238E27FC236}">
-                <a16:creationId xmlns:a16="http://schemas.microsoft.com/office/drawing/2014/main" id="{7B165692-0E1F-4A2E-BE21-3B9B881C79BA}"/>
+                <a16:creationId xmlns:a16="http://schemas.microsoft.com/office/drawing/2014/main" xmlns="" id="{7B165692-0E1F-4A2E-BE21-3B9B881C79BA}"/>
               </a:ext>
             </a:extLst>
           </p:cNvPr>
@@ -13675,7 +13703,7 @@
           <p:cNvPr id="3" name="矩形 2" descr="e7d195523061f1c0c989bbdf341b111e769f2ee359bd8df638E53E9931A62DC22263A6E1A75FFBC630BB5D77BA969D9175F253EB94D93A1189E24A7D909BAD0376573965191318DE1FD009565C070D0758BE63ED47B2EDEA90557AF5557698B3C970B7156711F56A817E054E0F6C1C4A122430A250CE9C515ABA2065CACC41450FAD86564000734B172F27CA8E080E88">
             <a:extLst>
               <a:ext uri="{FF2B5EF4-FFF2-40B4-BE49-F238E27FC236}">
-                <a16:creationId xmlns:a16="http://schemas.microsoft.com/office/drawing/2014/main" id="{531F02A6-F005-49BF-8CCA-F3A10B80431C}"/>
+                <a16:creationId xmlns:a16="http://schemas.microsoft.com/office/drawing/2014/main" xmlns="" id="{531F02A6-F005-49BF-8CCA-F3A10B80431C}"/>
               </a:ext>
             </a:extLst>
           </p:cNvPr>
@@ -13736,7 +13764,7 @@
           <p:cNvPr id="4" name="矩形 3" descr="e7d195523061f1c0c989bbdf341b111e769f2ee359bd8df638E53E9931A62DC22263A6E1A75FFBC630BB5D77BA969D9175F253EB94D93A1189E24A7D909BAD0376573965191318DE1FD009565C070D0758BE63ED47B2EDEA90557AF5557698B3C970B7156711F56A817E054E0F6C1C4A122430A250CE9C515ABA2065CACC41450FAD86564000734B172F27CA8E080E88">
             <a:extLst>
               <a:ext uri="{FF2B5EF4-FFF2-40B4-BE49-F238E27FC236}">
-                <a16:creationId xmlns:a16="http://schemas.microsoft.com/office/drawing/2014/main" id="{66D11E67-43F4-481C-9840-7E40A82948F4}"/>
+                <a16:creationId xmlns:a16="http://schemas.microsoft.com/office/drawing/2014/main" xmlns="" id="{66D11E67-43F4-481C-9840-7E40A82948F4}"/>
               </a:ext>
             </a:extLst>
           </p:cNvPr>
@@ -14154,7 +14182,7 @@
           <p:cNvPr id="17" name="矩形 16" descr="e7d195523061f1c0c989bbdf341b111e769f2ee359bd8df638E53E9931A62DC22263A6E1A75FFBC630BB5D77BA969D9175F253EB94D93A1189E24A7D909BAD0376573965191318DE1FD009565C070D0758BE63ED47B2EDEA90557AF5557698B3C970B7156711F56A817E054E0F6C1C4A122430A250CE9C515ABA2065CACC41450FAD86564000734B172F27CA8E080E88">
             <a:extLst>
               <a:ext uri="{FF2B5EF4-FFF2-40B4-BE49-F238E27FC236}">
-                <a16:creationId xmlns:a16="http://schemas.microsoft.com/office/drawing/2014/main" id="{A64CFFEF-D67B-423F-8CD1-5867F3E68A2A}"/>
+                <a16:creationId xmlns:a16="http://schemas.microsoft.com/office/drawing/2014/main" xmlns="" id="{A64CFFEF-D67B-423F-8CD1-5867F3E68A2A}"/>
               </a:ext>
             </a:extLst>
           </p:cNvPr>
@@ -14237,7 +14265,7 @@
           <p:cNvPr id="21" name="矩形 20" descr="e7d195523061f1c0c989bbdf341b111e769f2ee359bd8df638E53E9931A62DC22263A6E1A75FFBC630BB5D77BA969D9175F253EB94D93A1189E24A7D909BAD0376573965191318DE1FD009565C070D0758BE63ED47B2EDEA90557AF5557698B3C970B7156711F56A817E054E0F6C1C4A122430A250CE9C515ABA2065CACC41450FAD86564000734B172F27CA8E080E88">
             <a:extLst>
               <a:ext uri="{FF2B5EF4-FFF2-40B4-BE49-F238E27FC236}">
-                <a16:creationId xmlns:a16="http://schemas.microsoft.com/office/drawing/2014/main" id="{D763D0E5-6591-42AD-BEDC-C4E3ABB349C7}"/>
+                <a16:creationId xmlns:a16="http://schemas.microsoft.com/office/drawing/2014/main" xmlns="" id="{D763D0E5-6591-42AD-BEDC-C4E3ABB349C7}"/>
               </a:ext>
             </a:extLst>
           </p:cNvPr>
@@ -14298,7 +14326,7 @@
           <p:cNvPr id="49" name="直接连接符 48">
             <a:extLst>
               <a:ext uri="{FF2B5EF4-FFF2-40B4-BE49-F238E27FC236}">
-                <a16:creationId xmlns:a16="http://schemas.microsoft.com/office/drawing/2014/main" id="{A5296289-1E29-4883-A423-92CB92E5DC7D}"/>
+                <a16:creationId xmlns:a16="http://schemas.microsoft.com/office/drawing/2014/main" xmlns="" id="{A5296289-1E29-4883-A423-92CB92E5DC7D}"/>
               </a:ext>
             </a:extLst>
           </p:cNvPr>
@@ -14331,7 +14359,7 @@
           <p:cNvPr id="50" name="组合 49">
             <a:extLst>
               <a:ext uri="{FF2B5EF4-FFF2-40B4-BE49-F238E27FC236}">
-                <a16:creationId xmlns:a16="http://schemas.microsoft.com/office/drawing/2014/main" id="{91A7F765-C131-4140-AF04-DFAB4BBF747C}"/>
+                <a16:creationId xmlns:a16="http://schemas.microsoft.com/office/drawing/2014/main" xmlns="" id="{91A7F765-C131-4140-AF04-DFAB4BBF747C}"/>
               </a:ext>
             </a:extLst>
           </p:cNvPr>
@@ -14353,7 +14381,7 @@
             <p:cNvPr id="51" name="菱形 50">
               <a:extLst>
                 <a:ext uri="{FF2B5EF4-FFF2-40B4-BE49-F238E27FC236}">
-                  <a16:creationId xmlns:a16="http://schemas.microsoft.com/office/drawing/2014/main" id="{8505508E-8089-472E-B2B2-49FEB193E977}"/>
+                  <a16:creationId xmlns:a16="http://schemas.microsoft.com/office/drawing/2014/main" xmlns="" id="{8505508E-8089-472E-B2B2-49FEB193E977}"/>
                 </a:ext>
               </a:extLst>
             </p:cNvPr>
@@ -14427,7 +14455,7 @@
             <p:cNvPr id="52" name="Rectangle 22">
               <a:extLst>
                 <a:ext uri="{FF2B5EF4-FFF2-40B4-BE49-F238E27FC236}">
-                  <a16:creationId xmlns:a16="http://schemas.microsoft.com/office/drawing/2014/main" id="{4DCA55E9-3933-402C-942B-06616709EAA8}"/>
+                  <a16:creationId xmlns:a16="http://schemas.microsoft.com/office/drawing/2014/main" xmlns="" id="{4DCA55E9-3933-402C-942B-06616709EAA8}"/>
                 </a:ext>
               </a:extLst>
             </p:cNvPr>
@@ -14687,7 +14715,7 @@
           <p:cNvPr id="53" name="组合 52">
             <a:extLst>
               <a:ext uri="{FF2B5EF4-FFF2-40B4-BE49-F238E27FC236}">
-                <a16:creationId xmlns:a16="http://schemas.microsoft.com/office/drawing/2014/main" id="{274EDB8F-8548-40B3-BD26-5C518BF56FE1}"/>
+                <a16:creationId xmlns:a16="http://schemas.microsoft.com/office/drawing/2014/main" xmlns="" id="{274EDB8F-8548-40B3-BD26-5C518BF56FE1}"/>
               </a:ext>
             </a:extLst>
           </p:cNvPr>
@@ -14709,7 +14737,7 @@
             <p:cNvPr id="54" name="菱形 53">
               <a:extLst>
                 <a:ext uri="{FF2B5EF4-FFF2-40B4-BE49-F238E27FC236}">
-                  <a16:creationId xmlns:a16="http://schemas.microsoft.com/office/drawing/2014/main" id="{04D38426-49BA-4C9D-9DAF-CDABADBC8230}"/>
+                  <a16:creationId xmlns:a16="http://schemas.microsoft.com/office/drawing/2014/main" xmlns="" id="{04D38426-49BA-4C9D-9DAF-CDABADBC8230}"/>
                 </a:ext>
               </a:extLst>
             </p:cNvPr>
@@ -14783,7 +14811,7 @@
             <p:cNvPr id="55" name="Rectangle 22">
               <a:extLst>
                 <a:ext uri="{FF2B5EF4-FFF2-40B4-BE49-F238E27FC236}">
-                  <a16:creationId xmlns:a16="http://schemas.microsoft.com/office/drawing/2014/main" id="{FCE23353-3215-4B48-939C-223F60B3F24E}"/>
+                  <a16:creationId xmlns:a16="http://schemas.microsoft.com/office/drawing/2014/main" xmlns="" id="{FCE23353-3215-4B48-939C-223F60B3F24E}"/>
                 </a:ext>
               </a:extLst>
             </p:cNvPr>
@@ -15061,7 +15089,7 @@
           <p:cNvPr id="56" name="组合 55">
             <a:extLst>
               <a:ext uri="{FF2B5EF4-FFF2-40B4-BE49-F238E27FC236}">
-                <a16:creationId xmlns:a16="http://schemas.microsoft.com/office/drawing/2014/main" id="{7DE8A47A-BE33-4354-A066-3F77D28685E1}"/>
+                <a16:creationId xmlns:a16="http://schemas.microsoft.com/office/drawing/2014/main" xmlns="" id="{7DE8A47A-BE33-4354-A066-3F77D28685E1}"/>
               </a:ext>
             </a:extLst>
           </p:cNvPr>
@@ -15083,7 +15111,7 @@
             <p:cNvPr id="57" name="菱形 56">
               <a:extLst>
                 <a:ext uri="{FF2B5EF4-FFF2-40B4-BE49-F238E27FC236}">
-                  <a16:creationId xmlns:a16="http://schemas.microsoft.com/office/drawing/2014/main" id="{4EA01D24-0C50-41FA-83D8-232395D0B9D6}"/>
+                  <a16:creationId xmlns:a16="http://schemas.microsoft.com/office/drawing/2014/main" xmlns="" id="{4EA01D24-0C50-41FA-83D8-232395D0B9D6}"/>
                 </a:ext>
               </a:extLst>
             </p:cNvPr>
@@ -15157,7 +15185,7 @@
             <p:cNvPr id="58" name="Rectangle 22">
               <a:extLst>
                 <a:ext uri="{FF2B5EF4-FFF2-40B4-BE49-F238E27FC236}">
-                  <a16:creationId xmlns:a16="http://schemas.microsoft.com/office/drawing/2014/main" id="{7C8D267B-98AE-4FF3-B7DF-7346D56D6B44}"/>
+                  <a16:creationId xmlns:a16="http://schemas.microsoft.com/office/drawing/2014/main" xmlns="" id="{7C8D267B-98AE-4FF3-B7DF-7346D56D6B44}"/>
                 </a:ext>
               </a:extLst>
             </p:cNvPr>
@@ -15435,7 +15463,7 @@
           <p:cNvPr id="59" name="Rectangle 23">
             <a:extLst>
               <a:ext uri="{FF2B5EF4-FFF2-40B4-BE49-F238E27FC236}">
-                <a16:creationId xmlns:a16="http://schemas.microsoft.com/office/drawing/2014/main" id="{DB1EFB70-7C5B-4C3B-AE6B-56074947D6F7}"/>
+                <a16:creationId xmlns:a16="http://schemas.microsoft.com/office/drawing/2014/main" xmlns="" id="{DB1EFB70-7C5B-4C3B-AE6B-56074947D6F7}"/>
               </a:ext>
             </a:extLst>
           </p:cNvPr>
@@ -15494,7 +15522,7 @@
           <p:cNvPr id="60" name="Rectangle 23">
             <a:extLst>
               <a:ext uri="{FF2B5EF4-FFF2-40B4-BE49-F238E27FC236}">
-                <a16:creationId xmlns:a16="http://schemas.microsoft.com/office/drawing/2014/main" id="{E5A2D4B2-CFFE-4C66-97AF-54902EF56859}"/>
+                <a16:creationId xmlns:a16="http://schemas.microsoft.com/office/drawing/2014/main" xmlns="" id="{E5A2D4B2-CFFE-4C66-97AF-54902EF56859}"/>
               </a:ext>
             </a:extLst>
           </p:cNvPr>
@@ -15576,7 +15604,7 @@
           <p:cNvPr id="61" name="Rectangle 23">
             <a:extLst>
               <a:ext uri="{FF2B5EF4-FFF2-40B4-BE49-F238E27FC236}">
-                <a16:creationId xmlns:a16="http://schemas.microsoft.com/office/drawing/2014/main" id="{446E8042-DD83-4FF0-9AB5-B45315B3D7B0}"/>
+                <a16:creationId xmlns:a16="http://schemas.microsoft.com/office/drawing/2014/main" xmlns="" id="{446E8042-DD83-4FF0-9AB5-B45315B3D7B0}"/>
               </a:ext>
             </a:extLst>
           </p:cNvPr>
@@ -15658,7 +15686,7 @@
           <p:cNvPr id="63" name="图片占位符 19">
             <a:extLst>
               <a:ext uri="{FF2B5EF4-FFF2-40B4-BE49-F238E27FC236}">
-                <a16:creationId xmlns:a16="http://schemas.microsoft.com/office/drawing/2014/main" id="{8A5942B0-55BE-4BF8-84A4-18F7913A9B98}"/>
+                <a16:creationId xmlns:a16="http://schemas.microsoft.com/office/drawing/2014/main" xmlns="" id="{8A5942B0-55BE-4BF8-84A4-18F7913A9B98}"/>
               </a:ext>
             </a:extLst>
           </p:cNvPr>
@@ -16646,7 +16674,7 @@
           <p:cNvPr id="17" name="矩形 16" descr="e7d195523061f1c0c989bbdf341b111e769f2ee359bd8df638E53E9931A62DC22263A6E1A75FFBC630BB5D77BA969D9175F253EB94D93A1189E24A7D909BAD0376573965191318DE1FD009565C070D0758BE63ED47B2EDEA90557AF5557698B3C970B7156711F56A817E054E0F6C1C4A122430A250CE9C515ABA2065CACC41450FAD86564000734B172F27CA8E080E88">
             <a:extLst>
               <a:ext uri="{FF2B5EF4-FFF2-40B4-BE49-F238E27FC236}">
-                <a16:creationId xmlns:a16="http://schemas.microsoft.com/office/drawing/2014/main" id="{A64CFFEF-D67B-423F-8CD1-5867F3E68A2A}"/>
+                <a16:creationId xmlns:a16="http://schemas.microsoft.com/office/drawing/2014/main" xmlns="" id="{A64CFFEF-D67B-423F-8CD1-5867F3E68A2A}"/>
               </a:ext>
             </a:extLst>
           </p:cNvPr>
@@ -16729,7 +16757,7 @@
           <p:cNvPr id="21" name="矩形 20" descr="e7d195523061f1c0c989bbdf341b111e769f2ee359bd8df638E53E9931A62DC22263A6E1A75FFBC630BB5D77BA969D9175F253EB94D93A1189E24A7D909BAD0376573965191318DE1FD009565C070D0758BE63ED47B2EDEA90557AF5557698B3C970B7156711F56A817E054E0F6C1C4A122430A250CE9C515ABA2065CACC41450FAD86564000734B172F27CA8E080E88">
             <a:extLst>
               <a:ext uri="{FF2B5EF4-FFF2-40B4-BE49-F238E27FC236}">
-                <a16:creationId xmlns:a16="http://schemas.microsoft.com/office/drawing/2014/main" id="{D763D0E5-6591-42AD-BEDC-C4E3ABB349C7}"/>
+                <a16:creationId xmlns:a16="http://schemas.microsoft.com/office/drawing/2014/main" xmlns="" id="{D763D0E5-6591-42AD-BEDC-C4E3ABB349C7}"/>
               </a:ext>
             </a:extLst>
           </p:cNvPr>
@@ -16790,7 +16818,7 @@
           <p:cNvPr id="26" name="矩形 25">
             <a:extLst>
               <a:ext uri="{FF2B5EF4-FFF2-40B4-BE49-F238E27FC236}">
-                <a16:creationId xmlns:a16="http://schemas.microsoft.com/office/drawing/2014/main" id="{06543C3B-CC45-47C1-9F9D-C703941D84FF}"/>
+                <a16:creationId xmlns:a16="http://schemas.microsoft.com/office/drawing/2014/main" xmlns="" id="{06543C3B-CC45-47C1-9F9D-C703941D84FF}"/>
               </a:ext>
             </a:extLst>
           </p:cNvPr>
@@ -17498,7 +17526,7 @@
           <p:cNvPr id="17" name="矩形 16" descr="e7d195523061f1c0c989bbdf341b111e769f2ee359bd8df638E53E9931A62DC22263A6E1A75FFBC630BB5D77BA969D9175F253EB94D93A1189E24A7D909BAD0376573965191318DE1FD009565C070D0758BE63ED47B2EDEA90557AF5557698B3C970B7156711F56A817E054E0F6C1C4A122430A250CE9C515ABA2065CACC41450FAD86564000734B172F27CA8E080E88">
             <a:extLst>
               <a:ext uri="{FF2B5EF4-FFF2-40B4-BE49-F238E27FC236}">
-                <a16:creationId xmlns:a16="http://schemas.microsoft.com/office/drawing/2014/main" id="{A64CFFEF-D67B-423F-8CD1-5867F3E68A2A}"/>
+                <a16:creationId xmlns:a16="http://schemas.microsoft.com/office/drawing/2014/main" xmlns="" id="{A64CFFEF-D67B-423F-8CD1-5867F3E68A2A}"/>
               </a:ext>
             </a:extLst>
           </p:cNvPr>
@@ -17581,7 +17609,7 @@
           <p:cNvPr id="21" name="矩形 20" descr="e7d195523061f1c0c989bbdf341b111e769f2ee359bd8df638E53E9931A62DC22263A6E1A75FFBC630BB5D77BA969D9175F253EB94D93A1189E24A7D909BAD0376573965191318DE1FD009565C070D0758BE63ED47B2EDEA90557AF5557698B3C970B7156711F56A817E054E0F6C1C4A122430A250CE9C515ABA2065CACC41450FAD86564000734B172F27CA8E080E88">
             <a:extLst>
               <a:ext uri="{FF2B5EF4-FFF2-40B4-BE49-F238E27FC236}">
-                <a16:creationId xmlns:a16="http://schemas.microsoft.com/office/drawing/2014/main" id="{D763D0E5-6591-42AD-BEDC-C4E3ABB349C7}"/>
+                <a16:creationId xmlns:a16="http://schemas.microsoft.com/office/drawing/2014/main" xmlns="" id="{D763D0E5-6591-42AD-BEDC-C4E3ABB349C7}"/>
               </a:ext>
             </a:extLst>
           </p:cNvPr>
@@ -17642,7 +17670,7 @@
           <p:cNvPr id="7" name="Rectangle 42">
             <a:extLst>
               <a:ext uri="{FF2B5EF4-FFF2-40B4-BE49-F238E27FC236}">
-                <a16:creationId xmlns:a16="http://schemas.microsoft.com/office/drawing/2014/main" id="{08532E03-9F6B-4212-AD51-DBF0FD2A4F1A}"/>
+                <a16:creationId xmlns:a16="http://schemas.microsoft.com/office/drawing/2014/main" xmlns="" id="{08532E03-9F6B-4212-AD51-DBF0FD2A4F1A}"/>
               </a:ext>
             </a:extLst>
           </p:cNvPr>
@@ -18475,7 +18503,7 @@
           <p:cNvPr id="2" name="矩形 1" descr="e7d195523061f1c0c989bbdf341b111e769f2ee359bd8df638E53E9931A62DC22263A6E1A75FFBC630BB5D77BA969D9175F253EB94D93A1189E24A7D909BAD0376573965191318DE1FD009565C070D0758BE63ED47B2EDEA90557AF5557698B3C970B7156711F56A817E054E0F6C1C4A122430A250CE9C515ABA2065CACC41450FAD86564000734B172F27CA8E080E88">
             <a:extLst>
               <a:ext uri="{FF2B5EF4-FFF2-40B4-BE49-F238E27FC236}">
-                <a16:creationId xmlns:a16="http://schemas.microsoft.com/office/drawing/2014/main" id="{7B165692-0E1F-4A2E-BE21-3B9B881C79BA}"/>
+                <a16:creationId xmlns:a16="http://schemas.microsoft.com/office/drawing/2014/main" xmlns="" id="{7B165692-0E1F-4A2E-BE21-3B9B881C79BA}"/>
               </a:ext>
             </a:extLst>
           </p:cNvPr>
@@ -18558,7 +18586,7 @@
           <p:cNvPr id="3" name="矩形 2" descr="e7d195523061f1c0c989bbdf341b111e769f2ee359bd8df638E53E9931A62DC22263A6E1A75FFBC630BB5D77BA969D9175F253EB94D93A1189E24A7D909BAD0376573965191318DE1FD009565C070D0758BE63ED47B2EDEA90557AF5557698B3C970B7156711F56A817E054E0F6C1C4A122430A250CE9C515ABA2065CACC41450FAD86564000734B172F27CA8E080E88">
             <a:extLst>
               <a:ext uri="{FF2B5EF4-FFF2-40B4-BE49-F238E27FC236}">
-                <a16:creationId xmlns:a16="http://schemas.microsoft.com/office/drawing/2014/main" id="{531F02A6-F005-49BF-8CCA-F3A10B80431C}"/>
+                <a16:creationId xmlns:a16="http://schemas.microsoft.com/office/drawing/2014/main" xmlns="" id="{531F02A6-F005-49BF-8CCA-F3A10B80431C}"/>
               </a:ext>
             </a:extLst>
           </p:cNvPr>
@@ -18619,7 +18647,7 @@
           <p:cNvPr id="4" name="矩形 3" descr="e7d195523061f1c0c989bbdf341b111e769f2ee359bd8df638E53E9931A62DC22263A6E1A75FFBC630BB5D77BA969D9175F253EB94D93A1189E24A7D909BAD0376573965191318DE1FD009565C070D0758BE63ED47B2EDEA90557AF5557698B3C970B7156711F56A817E054E0F6C1C4A122430A250CE9C515ABA2065CACC41450FAD86564000734B172F27CA8E080E88">
             <a:extLst>
               <a:ext uri="{FF2B5EF4-FFF2-40B4-BE49-F238E27FC236}">
-                <a16:creationId xmlns:a16="http://schemas.microsoft.com/office/drawing/2014/main" id="{66D11E67-43F4-481C-9840-7E40A82948F4}"/>
+                <a16:creationId xmlns:a16="http://schemas.microsoft.com/office/drawing/2014/main" xmlns="" id="{66D11E67-43F4-481C-9840-7E40A82948F4}"/>
               </a:ext>
             </a:extLst>
           </p:cNvPr>
@@ -19037,7 +19065,7 @@
           <p:cNvPr id="17" name="矩形 16" descr="e7d195523061f1c0c989bbdf341b111e769f2ee359bd8df638E53E9931A62DC22263A6E1A75FFBC630BB5D77BA969D9175F253EB94D93A1189E24A7D909BAD0376573965191318DE1FD009565C070D0758BE63ED47B2EDEA90557AF5557698B3C970B7156711F56A817E054E0F6C1C4A122430A250CE9C515ABA2065CACC41450FAD86564000734B172F27CA8E080E88">
             <a:extLst>
               <a:ext uri="{FF2B5EF4-FFF2-40B4-BE49-F238E27FC236}">
-                <a16:creationId xmlns:a16="http://schemas.microsoft.com/office/drawing/2014/main" id="{A64CFFEF-D67B-423F-8CD1-5867F3E68A2A}"/>
+                <a16:creationId xmlns:a16="http://schemas.microsoft.com/office/drawing/2014/main" xmlns="" id="{A64CFFEF-D67B-423F-8CD1-5867F3E68A2A}"/>
               </a:ext>
             </a:extLst>
           </p:cNvPr>
@@ -19120,7 +19148,7 @@
           <p:cNvPr id="21" name="矩形 20" descr="e7d195523061f1c0c989bbdf341b111e769f2ee359bd8df638E53E9931A62DC22263A6E1A75FFBC630BB5D77BA969D9175F253EB94D93A1189E24A7D909BAD0376573965191318DE1FD009565C070D0758BE63ED47B2EDEA90557AF5557698B3C970B7156711F56A817E054E0F6C1C4A122430A250CE9C515ABA2065CACC41450FAD86564000734B172F27CA8E080E88">
             <a:extLst>
               <a:ext uri="{FF2B5EF4-FFF2-40B4-BE49-F238E27FC236}">
-                <a16:creationId xmlns:a16="http://schemas.microsoft.com/office/drawing/2014/main" id="{D763D0E5-6591-42AD-BEDC-C4E3ABB349C7}"/>
+                <a16:creationId xmlns:a16="http://schemas.microsoft.com/office/drawing/2014/main" xmlns="" id="{D763D0E5-6591-42AD-BEDC-C4E3ABB349C7}"/>
               </a:ext>
             </a:extLst>
           </p:cNvPr>
@@ -19181,7 +19209,7 @@
           <p:cNvPr id="27" name="Freeform 6">
             <a:extLst>
               <a:ext uri="{FF2B5EF4-FFF2-40B4-BE49-F238E27FC236}">
-                <a16:creationId xmlns:a16="http://schemas.microsoft.com/office/drawing/2014/main" id="{D9126C98-2361-4B2B-9AB5-3AE5EC5B31EB}"/>
+                <a16:creationId xmlns:a16="http://schemas.microsoft.com/office/drawing/2014/main" xmlns="" id="{D9126C98-2361-4B2B-9AB5-3AE5EC5B31EB}"/>
               </a:ext>
             </a:extLst>
           </p:cNvPr>
@@ -19324,7 +19352,7 @@
           <p:cNvPr id="28" name="Freeform 7">
             <a:extLst>
               <a:ext uri="{FF2B5EF4-FFF2-40B4-BE49-F238E27FC236}">
-                <a16:creationId xmlns:a16="http://schemas.microsoft.com/office/drawing/2014/main" id="{CE2724C9-8453-44A9-BE93-FFB65716DCB6}"/>
+                <a16:creationId xmlns:a16="http://schemas.microsoft.com/office/drawing/2014/main" xmlns="" id="{CE2724C9-8453-44A9-BE93-FFB65716DCB6}"/>
               </a:ext>
             </a:extLst>
           </p:cNvPr>
@@ -19473,7 +19501,7 @@
           <p:cNvPr id="29" name="Freeform 8">
             <a:extLst>
               <a:ext uri="{FF2B5EF4-FFF2-40B4-BE49-F238E27FC236}">
-                <a16:creationId xmlns:a16="http://schemas.microsoft.com/office/drawing/2014/main" id="{CAE90914-54ED-455F-AE63-61E14D9C99CB}"/>
+                <a16:creationId xmlns:a16="http://schemas.microsoft.com/office/drawing/2014/main" xmlns="" id="{CAE90914-54ED-455F-AE63-61E14D9C99CB}"/>
               </a:ext>
             </a:extLst>
           </p:cNvPr>
@@ -19616,7 +19644,7 @@
           <p:cNvPr id="30" name="Freeform 9">
             <a:extLst>
               <a:ext uri="{FF2B5EF4-FFF2-40B4-BE49-F238E27FC236}">
-                <a16:creationId xmlns:a16="http://schemas.microsoft.com/office/drawing/2014/main" id="{B5D6689A-FD51-4195-841B-11D497DD700F}"/>
+                <a16:creationId xmlns:a16="http://schemas.microsoft.com/office/drawing/2014/main" xmlns="" id="{B5D6689A-FD51-4195-841B-11D497DD700F}"/>
               </a:ext>
             </a:extLst>
           </p:cNvPr>
@@ -19759,7 +19787,7 @@
           <p:cNvPr id="31" name="Freeform 10">
             <a:extLst>
               <a:ext uri="{FF2B5EF4-FFF2-40B4-BE49-F238E27FC236}">
-                <a16:creationId xmlns:a16="http://schemas.microsoft.com/office/drawing/2014/main" id="{E09CE2D8-DDAF-40F0-92ED-A47C0A4FCF6A}"/>
+                <a16:creationId xmlns:a16="http://schemas.microsoft.com/office/drawing/2014/main" xmlns="" id="{E09CE2D8-DDAF-40F0-92ED-A47C0A4FCF6A}"/>
               </a:ext>
             </a:extLst>
           </p:cNvPr>
@@ -19909,7 +19937,7 @@
           <p:cNvPr id="32" name="Freeform 11">
             <a:extLst>
               <a:ext uri="{FF2B5EF4-FFF2-40B4-BE49-F238E27FC236}">
-                <a16:creationId xmlns:a16="http://schemas.microsoft.com/office/drawing/2014/main" id="{F8408526-0758-4DCF-B184-F8372FBF4C46}"/>
+                <a16:creationId xmlns:a16="http://schemas.microsoft.com/office/drawing/2014/main" xmlns="" id="{F8408526-0758-4DCF-B184-F8372FBF4C46}"/>
               </a:ext>
             </a:extLst>
           </p:cNvPr>
@@ -20058,7 +20086,7 @@
           <p:cNvPr id="33" name="TextBox 18">
             <a:extLst>
               <a:ext uri="{FF2B5EF4-FFF2-40B4-BE49-F238E27FC236}">
-                <a16:creationId xmlns:a16="http://schemas.microsoft.com/office/drawing/2014/main" id="{D8C2765B-3B2D-4CBD-8BE9-05A4F4D5DA0D}"/>
+                <a16:creationId xmlns:a16="http://schemas.microsoft.com/office/drawing/2014/main" xmlns="" id="{D8C2765B-3B2D-4CBD-8BE9-05A4F4D5DA0D}"/>
               </a:ext>
             </a:extLst>
           </p:cNvPr>
@@ -20105,7 +20133,7 @@
           <p:cNvPr id="34" name="TextBox 19">
             <a:extLst>
               <a:ext uri="{FF2B5EF4-FFF2-40B4-BE49-F238E27FC236}">
-                <a16:creationId xmlns:a16="http://schemas.microsoft.com/office/drawing/2014/main" id="{DB1417B0-3C68-4E64-9934-136AF841676B}"/>
+                <a16:creationId xmlns:a16="http://schemas.microsoft.com/office/drawing/2014/main" xmlns="" id="{DB1417B0-3C68-4E64-9934-136AF841676B}"/>
               </a:ext>
             </a:extLst>
           </p:cNvPr>
@@ -20163,7 +20191,7 @@
           <p:cNvPr id="35" name="TextBox 20">
             <a:extLst>
               <a:ext uri="{FF2B5EF4-FFF2-40B4-BE49-F238E27FC236}">
-                <a16:creationId xmlns:a16="http://schemas.microsoft.com/office/drawing/2014/main" id="{B562FF0A-321F-4A2E-9619-D1429274A87F}"/>
+                <a16:creationId xmlns:a16="http://schemas.microsoft.com/office/drawing/2014/main" xmlns="" id="{B562FF0A-321F-4A2E-9619-D1429274A87F}"/>
               </a:ext>
             </a:extLst>
           </p:cNvPr>
@@ -20983,7 +21011,7 @@
           <p:cNvPr id="17" name="矩形 16" descr="e7d195523061f1c0c989bbdf341b111e769f2ee359bd8df638E53E9931A62DC22263A6E1A75FFBC630BB5D77BA969D9175F253EB94D93A1189E24A7D909BAD0376573965191318DE1FD009565C070D0758BE63ED47B2EDEA90557AF5557698B3C970B7156711F56A817E054E0F6C1C4A122430A250CE9C515ABA2065CACC41450FAD86564000734B172F27CA8E080E88">
             <a:extLst>
               <a:ext uri="{FF2B5EF4-FFF2-40B4-BE49-F238E27FC236}">
-                <a16:creationId xmlns:a16="http://schemas.microsoft.com/office/drawing/2014/main" id="{A64CFFEF-D67B-423F-8CD1-5867F3E68A2A}"/>
+                <a16:creationId xmlns:a16="http://schemas.microsoft.com/office/drawing/2014/main" xmlns="" id="{A64CFFEF-D67B-423F-8CD1-5867F3E68A2A}"/>
               </a:ext>
             </a:extLst>
           </p:cNvPr>
@@ -21066,7 +21094,7 @@
           <p:cNvPr id="21" name="矩形 20" descr="e7d195523061f1c0c989bbdf341b111e769f2ee359bd8df638E53E9931A62DC22263A6E1A75FFBC630BB5D77BA969D9175F253EB94D93A1189E24A7D909BAD0376573965191318DE1FD009565C070D0758BE63ED47B2EDEA90557AF5557698B3C970B7156711F56A817E054E0F6C1C4A122430A250CE9C515ABA2065CACC41450FAD86564000734B172F27CA8E080E88">
             <a:extLst>
               <a:ext uri="{FF2B5EF4-FFF2-40B4-BE49-F238E27FC236}">
-                <a16:creationId xmlns:a16="http://schemas.microsoft.com/office/drawing/2014/main" id="{D763D0E5-6591-42AD-BEDC-C4E3ABB349C7}"/>
+                <a16:creationId xmlns:a16="http://schemas.microsoft.com/office/drawing/2014/main" xmlns="" id="{D763D0E5-6591-42AD-BEDC-C4E3ABB349C7}"/>
               </a:ext>
             </a:extLst>
           </p:cNvPr>
@@ -21127,7 +21155,7 @@
           <p:cNvPr id="12" name="TextBox 14">
             <a:extLst>
               <a:ext uri="{FF2B5EF4-FFF2-40B4-BE49-F238E27FC236}">
-                <a16:creationId xmlns:a16="http://schemas.microsoft.com/office/drawing/2014/main" id="{84640408-2A80-4B76-9E49-8FD68FCDBB9B}"/>
+                <a16:creationId xmlns:a16="http://schemas.microsoft.com/office/drawing/2014/main" xmlns="" id="{84640408-2A80-4B76-9E49-8FD68FCDBB9B}"/>
               </a:ext>
             </a:extLst>
           </p:cNvPr>
@@ -21200,7 +21228,7 @@
           <p:cNvPr id="14" name="TextBox 23">
             <a:extLst>
               <a:ext uri="{FF2B5EF4-FFF2-40B4-BE49-F238E27FC236}">
-                <a16:creationId xmlns:a16="http://schemas.microsoft.com/office/drawing/2014/main" id="{7A54559C-EEFD-4CD6-A3AF-C3C4AE263688}"/>
+                <a16:creationId xmlns:a16="http://schemas.microsoft.com/office/drawing/2014/main" xmlns="" id="{7A54559C-EEFD-4CD6-A3AF-C3C4AE263688}"/>
               </a:ext>
             </a:extLst>
           </p:cNvPr>
@@ -21328,7 +21356,7 @@
           <p:cNvPr id="16" name="TextBox 27">
             <a:extLst>
               <a:ext uri="{FF2B5EF4-FFF2-40B4-BE49-F238E27FC236}">
-                <a16:creationId xmlns:a16="http://schemas.microsoft.com/office/drawing/2014/main" id="{1464ABEC-0B47-4B1E-869E-37A0E041B5B6}"/>
+                <a16:creationId xmlns:a16="http://schemas.microsoft.com/office/drawing/2014/main" xmlns="" id="{1464ABEC-0B47-4B1E-869E-37A0E041B5B6}"/>
               </a:ext>
             </a:extLst>
           </p:cNvPr>
